--- a/Moba2-Präsentation.pptx
+++ b/Moba2-Präsentation.pptx
@@ -133,6 +133,10 @@
 </p:presentation>
 </file>
 
+<file path=ppt/revisionInfo.xml><?xml version="1.0" encoding="utf-8"?>
+<p1510:revInfo xmlns:a="http://schemas.openxmlformats.org/drawingml/2006/main" xmlns:r="http://schemas.openxmlformats.org/officeDocument/2006/relationships" xmlns:p1510="http://schemas.microsoft.com/office/powerpoint/2015/10/main"/>
+</file>
+
 <file path=ppt/notesMasters/notesMaster1.xml><?xml version="1.0" encoding="utf-8"?>
 <p:notesMaster xmlns:a="http://schemas.openxmlformats.org/drawingml/2006/main" xmlns:r="http://schemas.openxmlformats.org/officeDocument/2006/relationships" xmlns:p="http://schemas.openxmlformats.org/presentationml/2006/main">
   <p:cSld>
@@ -215,7 +219,7 @@
           <a:p>
             <a:fld id="{CC3BB203-C1A5-45B4-8268-1C9525C8602B}" type="datetimeFigureOut">
               <a:rPr lang="de-DE" smtClean="0"/>
-              <a:t>12.07.2017</a:t>
+              <a:t>13.07.2017</a:t>
             </a:fld>
             <a:endParaRPr lang="de-DE"/>
           </a:p>
@@ -279,38 +283,37 @@
           <a:p>
             <a:pPr lvl="0"/>
             <a:r>
-              <a:rPr lang="de-DE" smtClean="0"/>
+              <a:rPr lang="de-DE"/>
               <a:t>Formatvorlagen des Textmasters bearbeiten</a:t>
             </a:r>
           </a:p>
           <a:p>
             <a:pPr lvl="1"/>
             <a:r>
-              <a:rPr lang="de-DE" smtClean="0"/>
+              <a:rPr lang="de-DE"/>
               <a:t>Zweite Ebene</a:t>
             </a:r>
           </a:p>
           <a:p>
             <a:pPr lvl="2"/>
             <a:r>
-              <a:rPr lang="de-DE" smtClean="0"/>
+              <a:rPr lang="de-DE"/>
               <a:t>Dritte Ebene</a:t>
             </a:r>
           </a:p>
           <a:p>
             <a:pPr lvl="3"/>
             <a:r>
-              <a:rPr lang="de-DE" smtClean="0"/>
+              <a:rPr lang="de-DE"/>
               <a:t>Vierte Ebene</a:t>
             </a:r>
           </a:p>
           <a:p>
             <a:pPr lvl="4"/>
             <a:r>
-              <a:rPr lang="de-DE" smtClean="0"/>
+              <a:rPr lang="de-DE"/>
               <a:t>Fünfte Ebene</a:t>
             </a:r>
-            <a:endParaRPr lang="de-DE"/>
           </a:p>
         </p:txBody>
       </p:sp>
@@ -609,10 +612,9 @@
           </a:lstStyle>
           <a:p>
             <a:r>
-              <a:rPr lang="de-DE" smtClean="0"/>
+              <a:rPr lang="de-DE"/>
               <a:t>Titelmasterformat durch Klicken bearbeiten</a:t>
             </a:r>
-            <a:endParaRPr lang="de-DE"/>
           </a:p>
         </p:txBody>
       </p:sp>
@@ -674,10 +676,9 @@
           </a:lstStyle>
           <a:p>
             <a:r>
-              <a:rPr lang="de-DE" smtClean="0"/>
+              <a:rPr lang="de-DE"/>
               <a:t>Formatvorlage des Untertitelmasters durch Klicken bearbeiten</a:t>
             </a:r>
-            <a:endParaRPr lang="de-DE"/>
           </a:p>
         </p:txBody>
       </p:sp>
@@ -698,7 +699,7 @@
           <a:p>
             <a:fld id="{EB8872D0-0ED7-4CA0-9909-5CF6F95C9723}" type="datetimeFigureOut">
               <a:rPr lang="de-DE" smtClean="0"/>
-              <a:t>12.07.2017</a:t>
+              <a:t>13.07.2017</a:t>
             </a:fld>
             <a:endParaRPr lang="de-DE"/>
           </a:p>
@@ -792,10 +793,9 @@
           <a:lstStyle/>
           <a:p>
             <a:r>
-              <a:rPr lang="de-DE" smtClean="0"/>
+              <a:rPr lang="de-DE"/>
               <a:t>Titelmasterformat durch Klicken bearbeiten</a:t>
             </a:r>
-            <a:endParaRPr lang="de-DE"/>
           </a:p>
         </p:txBody>
       </p:sp>
@@ -816,38 +816,37 @@
           <a:p>
             <a:pPr lvl="0"/>
             <a:r>
-              <a:rPr lang="de-DE" smtClean="0"/>
+              <a:rPr lang="de-DE"/>
               <a:t>Formatvorlagen des Textmasters bearbeiten</a:t>
             </a:r>
           </a:p>
           <a:p>
             <a:pPr lvl="1"/>
             <a:r>
-              <a:rPr lang="de-DE" smtClean="0"/>
+              <a:rPr lang="de-DE"/>
               <a:t>Zweite Ebene</a:t>
             </a:r>
           </a:p>
           <a:p>
             <a:pPr lvl="2"/>
             <a:r>
-              <a:rPr lang="de-DE" smtClean="0"/>
+              <a:rPr lang="de-DE"/>
               <a:t>Dritte Ebene</a:t>
             </a:r>
           </a:p>
           <a:p>
             <a:pPr lvl="3"/>
             <a:r>
-              <a:rPr lang="de-DE" smtClean="0"/>
+              <a:rPr lang="de-DE"/>
               <a:t>Vierte Ebene</a:t>
             </a:r>
           </a:p>
           <a:p>
             <a:pPr lvl="4"/>
             <a:r>
-              <a:rPr lang="de-DE" smtClean="0"/>
+              <a:rPr lang="de-DE"/>
               <a:t>Fünfte Ebene</a:t>
             </a:r>
-            <a:endParaRPr lang="de-DE"/>
           </a:p>
         </p:txBody>
       </p:sp>
@@ -868,7 +867,7 @@
           <a:p>
             <a:fld id="{EB8872D0-0ED7-4CA0-9909-5CF6F95C9723}" type="datetimeFigureOut">
               <a:rPr lang="de-DE" smtClean="0"/>
-              <a:t>12.07.2017</a:t>
+              <a:t>13.07.2017</a:t>
             </a:fld>
             <a:endParaRPr lang="de-DE"/>
           </a:p>
@@ -967,10 +966,9 @@
           <a:lstStyle/>
           <a:p>
             <a:r>
-              <a:rPr lang="de-DE" smtClean="0"/>
+              <a:rPr lang="de-DE"/>
               <a:t>Titelmasterformat durch Klicken bearbeiten</a:t>
             </a:r>
-            <a:endParaRPr lang="de-DE"/>
           </a:p>
         </p:txBody>
       </p:sp>
@@ -996,38 +994,37 @@
           <a:p>
             <a:pPr lvl="0"/>
             <a:r>
-              <a:rPr lang="de-DE" smtClean="0"/>
+              <a:rPr lang="de-DE"/>
               <a:t>Formatvorlagen des Textmasters bearbeiten</a:t>
             </a:r>
           </a:p>
           <a:p>
             <a:pPr lvl="1"/>
             <a:r>
-              <a:rPr lang="de-DE" smtClean="0"/>
+              <a:rPr lang="de-DE"/>
               <a:t>Zweite Ebene</a:t>
             </a:r>
           </a:p>
           <a:p>
             <a:pPr lvl="2"/>
             <a:r>
-              <a:rPr lang="de-DE" smtClean="0"/>
+              <a:rPr lang="de-DE"/>
               <a:t>Dritte Ebene</a:t>
             </a:r>
           </a:p>
           <a:p>
             <a:pPr lvl="3"/>
             <a:r>
-              <a:rPr lang="de-DE" smtClean="0"/>
+              <a:rPr lang="de-DE"/>
               <a:t>Vierte Ebene</a:t>
             </a:r>
           </a:p>
           <a:p>
             <a:pPr lvl="4"/>
             <a:r>
-              <a:rPr lang="de-DE" smtClean="0"/>
+              <a:rPr lang="de-DE"/>
               <a:t>Fünfte Ebene</a:t>
             </a:r>
-            <a:endParaRPr lang="de-DE"/>
           </a:p>
         </p:txBody>
       </p:sp>
@@ -1048,7 +1045,7 @@
           <a:p>
             <a:fld id="{EB8872D0-0ED7-4CA0-9909-5CF6F95C9723}" type="datetimeFigureOut">
               <a:rPr lang="de-DE" smtClean="0"/>
-              <a:t>12.07.2017</a:t>
+              <a:t>13.07.2017</a:t>
             </a:fld>
             <a:endParaRPr lang="de-DE"/>
           </a:p>
@@ -1142,10 +1139,9 @@
           <a:lstStyle/>
           <a:p>
             <a:r>
-              <a:rPr lang="de-DE" smtClean="0"/>
+              <a:rPr lang="de-DE"/>
               <a:t>Titelmasterformat durch Klicken bearbeiten</a:t>
             </a:r>
-            <a:endParaRPr lang="de-DE"/>
           </a:p>
         </p:txBody>
       </p:sp>
@@ -1166,38 +1162,37 @@
           <a:p>
             <a:pPr lvl="0"/>
             <a:r>
-              <a:rPr lang="de-DE" smtClean="0"/>
+              <a:rPr lang="de-DE"/>
               <a:t>Formatvorlagen des Textmasters bearbeiten</a:t>
             </a:r>
           </a:p>
           <a:p>
             <a:pPr lvl="1"/>
             <a:r>
-              <a:rPr lang="de-DE" smtClean="0"/>
+              <a:rPr lang="de-DE"/>
               <a:t>Zweite Ebene</a:t>
             </a:r>
           </a:p>
           <a:p>
             <a:pPr lvl="2"/>
             <a:r>
-              <a:rPr lang="de-DE" smtClean="0"/>
+              <a:rPr lang="de-DE"/>
               <a:t>Dritte Ebene</a:t>
             </a:r>
           </a:p>
           <a:p>
             <a:pPr lvl="3"/>
             <a:r>
-              <a:rPr lang="de-DE" smtClean="0"/>
+              <a:rPr lang="de-DE"/>
               <a:t>Vierte Ebene</a:t>
             </a:r>
           </a:p>
           <a:p>
             <a:pPr lvl="4"/>
             <a:r>
-              <a:rPr lang="de-DE" smtClean="0"/>
+              <a:rPr lang="de-DE"/>
               <a:t>Fünfte Ebene</a:t>
             </a:r>
-            <a:endParaRPr lang="de-DE"/>
           </a:p>
         </p:txBody>
       </p:sp>
@@ -1218,7 +1213,7 @@
           <a:p>
             <a:fld id="{EB8872D0-0ED7-4CA0-9909-5CF6F95C9723}" type="datetimeFigureOut">
               <a:rPr lang="de-DE" smtClean="0"/>
-              <a:t>12.07.2017</a:t>
+              <a:t>13.07.2017</a:t>
             </a:fld>
             <a:endParaRPr lang="de-DE"/>
           </a:p>
@@ -1321,10 +1316,9 @@
           </a:lstStyle>
           <a:p>
             <a:r>
-              <a:rPr lang="de-DE" smtClean="0"/>
+              <a:rPr lang="de-DE"/>
               <a:t>Titelmasterformat durch Klicken bearbeiten</a:t>
             </a:r>
-            <a:endParaRPr lang="de-DE"/>
           </a:p>
         </p:txBody>
       </p:sp>
@@ -1441,7 +1435,7 @@
           <a:p>
             <a:pPr lvl="0"/>
             <a:r>
-              <a:rPr lang="de-DE" smtClean="0"/>
+              <a:rPr lang="de-DE"/>
               <a:t>Formatvorlagen des Textmasters bearbeiten</a:t>
             </a:r>
           </a:p>
@@ -1464,7 +1458,7 @@
           <a:p>
             <a:fld id="{EB8872D0-0ED7-4CA0-9909-5CF6F95C9723}" type="datetimeFigureOut">
               <a:rPr lang="de-DE" smtClean="0"/>
-              <a:t>12.07.2017</a:t>
+              <a:t>13.07.2017</a:t>
             </a:fld>
             <a:endParaRPr lang="de-DE"/>
           </a:p>
@@ -1558,10 +1552,9 @@
           <a:lstStyle/>
           <a:p>
             <a:r>
-              <a:rPr lang="de-DE" smtClean="0"/>
+              <a:rPr lang="de-DE"/>
               <a:t>Titelmasterformat durch Klicken bearbeiten</a:t>
             </a:r>
-            <a:endParaRPr lang="de-DE"/>
           </a:p>
         </p:txBody>
       </p:sp>
@@ -1587,38 +1580,37 @@
           <a:p>
             <a:pPr lvl="0"/>
             <a:r>
-              <a:rPr lang="de-DE" smtClean="0"/>
+              <a:rPr lang="de-DE"/>
               <a:t>Formatvorlagen des Textmasters bearbeiten</a:t>
             </a:r>
           </a:p>
           <a:p>
             <a:pPr lvl="1"/>
             <a:r>
-              <a:rPr lang="de-DE" smtClean="0"/>
+              <a:rPr lang="de-DE"/>
               <a:t>Zweite Ebene</a:t>
             </a:r>
           </a:p>
           <a:p>
             <a:pPr lvl="2"/>
             <a:r>
-              <a:rPr lang="de-DE" smtClean="0"/>
+              <a:rPr lang="de-DE"/>
               <a:t>Dritte Ebene</a:t>
             </a:r>
           </a:p>
           <a:p>
             <a:pPr lvl="3"/>
             <a:r>
-              <a:rPr lang="de-DE" smtClean="0"/>
+              <a:rPr lang="de-DE"/>
               <a:t>Vierte Ebene</a:t>
             </a:r>
           </a:p>
           <a:p>
             <a:pPr lvl="4"/>
             <a:r>
-              <a:rPr lang="de-DE" smtClean="0"/>
+              <a:rPr lang="de-DE"/>
               <a:t>Fünfte Ebene</a:t>
             </a:r>
-            <a:endParaRPr lang="de-DE"/>
           </a:p>
         </p:txBody>
       </p:sp>
@@ -1644,38 +1636,37 @@
           <a:p>
             <a:pPr lvl="0"/>
             <a:r>
-              <a:rPr lang="de-DE" smtClean="0"/>
+              <a:rPr lang="de-DE"/>
               <a:t>Formatvorlagen des Textmasters bearbeiten</a:t>
             </a:r>
           </a:p>
           <a:p>
             <a:pPr lvl="1"/>
             <a:r>
-              <a:rPr lang="de-DE" smtClean="0"/>
+              <a:rPr lang="de-DE"/>
               <a:t>Zweite Ebene</a:t>
             </a:r>
           </a:p>
           <a:p>
             <a:pPr lvl="2"/>
             <a:r>
-              <a:rPr lang="de-DE" smtClean="0"/>
+              <a:rPr lang="de-DE"/>
               <a:t>Dritte Ebene</a:t>
             </a:r>
           </a:p>
           <a:p>
             <a:pPr lvl="3"/>
             <a:r>
-              <a:rPr lang="de-DE" smtClean="0"/>
+              <a:rPr lang="de-DE"/>
               <a:t>Vierte Ebene</a:t>
             </a:r>
           </a:p>
           <a:p>
             <a:pPr lvl="4"/>
             <a:r>
-              <a:rPr lang="de-DE" smtClean="0"/>
+              <a:rPr lang="de-DE"/>
               <a:t>Fünfte Ebene</a:t>
             </a:r>
-            <a:endParaRPr lang="de-DE"/>
           </a:p>
         </p:txBody>
       </p:sp>
@@ -1696,7 +1687,7 @@
           <a:p>
             <a:fld id="{EB8872D0-0ED7-4CA0-9909-5CF6F95C9723}" type="datetimeFigureOut">
               <a:rPr lang="de-DE" smtClean="0"/>
-              <a:t>12.07.2017</a:t>
+              <a:t>13.07.2017</a:t>
             </a:fld>
             <a:endParaRPr lang="de-DE"/>
           </a:p>
@@ -1795,10 +1786,9 @@
           <a:lstStyle/>
           <a:p>
             <a:r>
-              <a:rPr lang="de-DE" smtClean="0"/>
+              <a:rPr lang="de-DE"/>
               <a:t>Titelmasterformat durch Klicken bearbeiten</a:t>
             </a:r>
-            <a:endParaRPr lang="de-DE"/>
           </a:p>
         </p:txBody>
       </p:sp>
@@ -1861,7 +1851,7 @@
           <a:p>
             <a:pPr lvl="0"/>
             <a:r>
-              <a:rPr lang="de-DE" smtClean="0"/>
+              <a:rPr lang="de-DE"/>
               <a:t>Formatvorlagen des Textmasters bearbeiten</a:t>
             </a:r>
           </a:p>
@@ -1889,38 +1879,37 @@
           <a:p>
             <a:pPr lvl="0"/>
             <a:r>
-              <a:rPr lang="de-DE" smtClean="0"/>
+              <a:rPr lang="de-DE"/>
               <a:t>Formatvorlagen des Textmasters bearbeiten</a:t>
             </a:r>
           </a:p>
           <a:p>
             <a:pPr lvl="1"/>
             <a:r>
-              <a:rPr lang="de-DE" smtClean="0"/>
+              <a:rPr lang="de-DE"/>
               <a:t>Zweite Ebene</a:t>
             </a:r>
           </a:p>
           <a:p>
             <a:pPr lvl="2"/>
             <a:r>
-              <a:rPr lang="de-DE" smtClean="0"/>
+              <a:rPr lang="de-DE"/>
               <a:t>Dritte Ebene</a:t>
             </a:r>
           </a:p>
           <a:p>
             <a:pPr lvl="3"/>
             <a:r>
-              <a:rPr lang="de-DE" smtClean="0"/>
+              <a:rPr lang="de-DE"/>
               <a:t>Vierte Ebene</a:t>
             </a:r>
           </a:p>
           <a:p>
             <a:pPr lvl="4"/>
             <a:r>
-              <a:rPr lang="de-DE" smtClean="0"/>
+              <a:rPr lang="de-DE"/>
               <a:t>Fünfte Ebene</a:t>
             </a:r>
-            <a:endParaRPr lang="de-DE"/>
           </a:p>
         </p:txBody>
       </p:sp>
@@ -1983,7 +1972,7 @@
           <a:p>
             <a:pPr lvl="0"/>
             <a:r>
-              <a:rPr lang="de-DE" smtClean="0"/>
+              <a:rPr lang="de-DE"/>
               <a:t>Formatvorlagen des Textmasters bearbeiten</a:t>
             </a:r>
           </a:p>
@@ -2011,38 +2000,37 @@
           <a:p>
             <a:pPr lvl="0"/>
             <a:r>
-              <a:rPr lang="de-DE" smtClean="0"/>
+              <a:rPr lang="de-DE"/>
               <a:t>Formatvorlagen des Textmasters bearbeiten</a:t>
             </a:r>
           </a:p>
           <a:p>
             <a:pPr lvl="1"/>
             <a:r>
-              <a:rPr lang="de-DE" smtClean="0"/>
+              <a:rPr lang="de-DE"/>
               <a:t>Zweite Ebene</a:t>
             </a:r>
           </a:p>
           <a:p>
             <a:pPr lvl="2"/>
             <a:r>
-              <a:rPr lang="de-DE" smtClean="0"/>
+              <a:rPr lang="de-DE"/>
               <a:t>Dritte Ebene</a:t>
             </a:r>
           </a:p>
           <a:p>
             <a:pPr lvl="3"/>
             <a:r>
-              <a:rPr lang="de-DE" smtClean="0"/>
+              <a:rPr lang="de-DE"/>
               <a:t>Vierte Ebene</a:t>
             </a:r>
           </a:p>
           <a:p>
             <a:pPr lvl="4"/>
             <a:r>
-              <a:rPr lang="de-DE" smtClean="0"/>
+              <a:rPr lang="de-DE"/>
               <a:t>Fünfte Ebene</a:t>
             </a:r>
-            <a:endParaRPr lang="de-DE"/>
           </a:p>
         </p:txBody>
       </p:sp>
@@ -2063,7 +2051,7 @@
           <a:p>
             <a:fld id="{EB8872D0-0ED7-4CA0-9909-5CF6F95C9723}" type="datetimeFigureOut">
               <a:rPr lang="de-DE" smtClean="0"/>
-              <a:t>12.07.2017</a:t>
+              <a:t>13.07.2017</a:t>
             </a:fld>
             <a:endParaRPr lang="de-DE"/>
           </a:p>
@@ -2157,10 +2145,9 @@
           <a:lstStyle/>
           <a:p>
             <a:r>
-              <a:rPr lang="de-DE" smtClean="0"/>
+              <a:rPr lang="de-DE"/>
               <a:t>Titelmasterformat durch Klicken bearbeiten</a:t>
             </a:r>
-            <a:endParaRPr lang="de-DE"/>
           </a:p>
         </p:txBody>
       </p:sp>
@@ -2181,7 +2168,7 @@
           <a:p>
             <a:fld id="{EB8872D0-0ED7-4CA0-9909-5CF6F95C9723}" type="datetimeFigureOut">
               <a:rPr lang="de-DE" smtClean="0"/>
-              <a:t>12.07.2017</a:t>
+              <a:t>13.07.2017</a:t>
             </a:fld>
             <a:endParaRPr lang="de-DE"/>
           </a:p>
@@ -2276,7 +2263,7 @@
           <a:p>
             <a:fld id="{EB8872D0-0ED7-4CA0-9909-5CF6F95C9723}" type="datetimeFigureOut">
               <a:rPr lang="de-DE" smtClean="0"/>
-              <a:t>12.07.2017</a:t>
+              <a:t>13.07.2017</a:t>
             </a:fld>
             <a:endParaRPr lang="de-DE"/>
           </a:p>
@@ -2379,10 +2366,9 @@
           </a:lstStyle>
           <a:p>
             <a:r>
-              <a:rPr lang="de-DE" smtClean="0"/>
+              <a:rPr lang="de-DE"/>
               <a:t>Titelmasterformat durch Klicken bearbeiten</a:t>
             </a:r>
-            <a:endParaRPr lang="de-DE"/>
           </a:p>
         </p:txBody>
       </p:sp>
@@ -2436,38 +2422,37 @@
           <a:p>
             <a:pPr lvl="0"/>
             <a:r>
-              <a:rPr lang="de-DE" smtClean="0"/>
+              <a:rPr lang="de-DE"/>
               <a:t>Formatvorlagen des Textmasters bearbeiten</a:t>
             </a:r>
           </a:p>
           <a:p>
             <a:pPr lvl="1"/>
             <a:r>
-              <a:rPr lang="de-DE" smtClean="0"/>
+              <a:rPr lang="de-DE"/>
               <a:t>Zweite Ebene</a:t>
             </a:r>
           </a:p>
           <a:p>
             <a:pPr lvl="2"/>
             <a:r>
-              <a:rPr lang="de-DE" smtClean="0"/>
+              <a:rPr lang="de-DE"/>
               <a:t>Dritte Ebene</a:t>
             </a:r>
           </a:p>
           <a:p>
             <a:pPr lvl="3"/>
             <a:r>
-              <a:rPr lang="de-DE" smtClean="0"/>
+              <a:rPr lang="de-DE"/>
               <a:t>Vierte Ebene</a:t>
             </a:r>
           </a:p>
           <a:p>
             <a:pPr lvl="4"/>
             <a:r>
-              <a:rPr lang="de-DE" smtClean="0"/>
+              <a:rPr lang="de-DE"/>
               <a:t>Fünfte Ebene</a:t>
             </a:r>
-            <a:endParaRPr lang="de-DE"/>
           </a:p>
         </p:txBody>
       </p:sp>
@@ -2530,7 +2515,7 @@
           <a:p>
             <a:pPr lvl="0"/>
             <a:r>
-              <a:rPr lang="de-DE" smtClean="0"/>
+              <a:rPr lang="de-DE"/>
               <a:t>Formatvorlagen des Textmasters bearbeiten</a:t>
             </a:r>
           </a:p>
@@ -2553,7 +2538,7 @@
           <a:p>
             <a:fld id="{EB8872D0-0ED7-4CA0-9909-5CF6F95C9723}" type="datetimeFigureOut">
               <a:rPr lang="de-DE" smtClean="0"/>
-              <a:t>12.07.2017</a:t>
+              <a:t>13.07.2017</a:t>
             </a:fld>
             <a:endParaRPr lang="de-DE"/>
           </a:p>
@@ -2656,10 +2641,9 @@
           </a:lstStyle>
           <a:p>
             <a:r>
-              <a:rPr lang="de-DE" smtClean="0"/>
+              <a:rPr lang="de-DE"/>
               <a:t>Titelmasterformat durch Klicken bearbeiten</a:t>
             </a:r>
-            <a:endParaRPr lang="de-DE"/>
           </a:p>
         </p:txBody>
       </p:sp>
@@ -2783,7 +2767,7 @@
           <a:p>
             <a:pPr lvl="0"/>
             <a:r>
-              <a:rPr lang="de-DE" smtClean="0"/>
+              <a:rPr lang="de-DE"/>
               <a:t>Formatvorlagen des Textmasters bearbeiten</a:t>
             </a:r>
           </a:p>
@@ -2806,7 +2790,7 @@
           <a:p>
             <a:fld id="{EB8872D0-0ED7-4CA0-9909-5CF6F95C9723}" type="datetimeFigureOut">
               <a:rPr lang="de-DE" smtClean="0"/>
-              <a:t>12.07.2017</a:t>
+              <a:t>13.07.2017</a:t>
             </a:fld>
             <a:endParaRPr lang="de-DE"/>
           </a:p>
@@ -2915,10 +2899,9 @@
           <a:lstStyle/>
           <a:p>
             <a:r>
-              <a:rPr lang="de-DE" smtClean="0"/>
+              <a:rPr lang="de-DE"/>
               <a:t>Titelmasterformat durch Klicken bearbeiten</a:t>
             </a:r>
-            <a:endParaRPr lang="de-DE"/>
           </a:p>
         </p:txBody>
       </p:sp>
@@ -2949,38 +2932,37 @@
           <a:p>
             <a:pPr lvl="0"/>
             <a:r>
-              <a:rPr lang="de-DE" smtClean="0"/>
+              <a:rPr lang="de-DE"/>
               <a:t>Formatvorlagen des Textmasters bearbeiten</a:t>
             </a:r>
           </a:p>
           <a:p>
             <a:pPr lvl="1"/>
             <a:r>
-              <a:rPr lang="de-DE" smtClean="0"/>
+              <a:rPr lang="de-DE"/>
               <a:t>Zweite Ebene</a:t>
             </a:r>
           </a:p>
           <a:p>
             <a:pPr lvl="2"/>
             <a:r>
-              <a:rPr lang="de-DE" smtClean="0"/>
+              <a:rPr lang="de-DE"/>
               <a:t>Dritte Ebene</a:t>
             </a:r>
           </a:p>
           <a:p>
             <a:pPr lvl="3"/>
             <a:r>
-              <a:rPr lang="de-DE" smtClean="0"/>
+              <a:rPr lang="de-DE"/>
               <a:t>Vierte Ebene</a:t>
             </a:r>
           </a:p>
           <a:p>
             <a:pPr lvl="4"/>
             <a:r>
-              <a:rPr lang="de-DE" smtClean="0"/>
+              <a:rPr lang="de-DE"/>
               <a:t>Fünfte Ebene</a:t>
             </a:r>
-            <a:endParaRPr lang="de-DE"/>
           </a:p>
         </p:txBody>
       </p:sp>
@@ -3019,7 +3001,7 @@
           <a:p>
             <a:fld id="{EB8872D0-0ED7-4CA0-9909-5CF6F95C9723}" type="datetimeFigureOut">
               <a:rPr lang="de-DE" smtClean="0"/>
-              <a:t>12.07.2017</a:t>
+              <a:t>13.07.2017</a:t>
             </a:fld>
             <a:endParaRPr lang="de-DE"/>
           </a:p>
@@ -3567,17 +3549,8 @@
               <a:rPr lang="de-DE" dirty="0">
                 <a:latin typeface="Rockwell" panose="02060603020205020403" pitchFamily="18" charset="0"/>
               </a:rPr>
-              <a:t>Mobile Anwendung </a:t>
-            </a:r>
-            <a:r>
-              <a:rPr lang="de-DE" dirty="0" smtClean="0">
-                <a:latin typeface="Rockwell" panose="02060603020205020403" pitchFamily="18" charset="0"/>
-              </a:rPr>
-              <a:t>2</a:t>
-            </a:r>
-            <a:endParaRPr lang="de-DE" dirty="0">
-              <a:latin typeface="Rockwell" panose="02060603020205020403" pitchFamily="18" charset="0"/>
-            </a:endParaRPr>
+              <a:t>Mobile Anwendung 2</a:t>
+            </a:r>
           </a:p>
         </p:txBody>
       </p:sp>
@@ -3677,17 +3650,8 @@
               <a:rPr lang="de-DE" dirty="0">
                 <a:latin typeface="Rockwell" panose="02060603020205020403" pitchFamily="18" charset="0"/>
               </a:rPr>
-              <a:t>Steffen Koch &amp; </a:t>
-            </a:r>
-            <a:r>
-              <a:rPr lang="de-DE" dirty="0" smtClean="0">
-                <a:latin typeface="Rockwell" panose="02060603020205020403" pitchFamily="18" charset="0"/>
-              </a:rPr>
-              <a:t>Eric Dolch</a:t>
-            </a:r>
-            <a:endParaRPr lang="de-DE" dirty="0">
-              <a:latin typeface="Rockwell" panose="02060603020205020403" pitchFamily="18" charset="0"/>
-            </a:endParaRPr>
+              <a:t>Steffen Koch &amp; Eric Dolch</a:t>
+            </a:r>
           </a:p>
         </p:txBody>
       </p:sp>
@@ -3701,13 +3665,6 @@
   <p:clrMapOvr>
     <a:masterClrMapping/>
   </p:clrMapOvr>
-  <p:timing>
-    <p:tnLst>
-      <p:par>
-        <p:cTn id="1" dur="indefinite" restart="never" nodeType="tmRoot"/>
-      </p:par>
-    </p:tnLst>
-  </p:timing>
 </p:sld>
 </file>
 
@@ -3829,7 +3786,7 @@
           <a:lstStyle/>
           <a:p>
             <a:r>
-              <a:rPr lang="de-DE" sz="3200" dirty="0" smtClean="0">
+              <a:rPr lang="de-DE" sz="3200" dirty="0">
                 <a:latin typeface="Rockwell" panose="02060603020205020403" pitchFamily="18" charset="0"/>
               </a:rPr>
               <a:t>Aufbau</a:t>
@@ -3877,13 +3834,6 @@
   <p:clrMapOvr>
     <a:masterClrMapping/>
   </p:clrMapOvr>
-  <p:timing>
-    <p:tnLst>
-      <p:par>
-        <p:cTn id="1" dur="indefinite" restart="never" nodeType="tmRoot"/>
-      </p:par>
-    </p:tnLst>
-  </p:timing>
 </p:sld>
 </file>
 
@@ -4005,7 +3955,7 @@
           <a:lstStyle/>
           <a:p>
             <a:r>
-              <a:rPr lang="de-DE" sz="3200" dirty="0" smtClean="0">
+              <a:rPr lang="de-DE" sz="3200" dirty="0">
                 <a:latin typeface="Rockwell" panose="02060603020205020403" pitchFamily="18" charset="0"/>
               </a:rPr>
               <a:t>Erster Start - Code</a:t>
@@ -4052,7 +4002,7 @@
         <p:spPr>
           <a:xfrm>
             <a:off x="7140720" y="2346968"/>
-            <a:ext cx="3384376" cy="1600438"/>
+            <a:ext cx="3384376" cy="1415772"/>
           </a:xfrm>
           <a:prstGeom prst="rect">
             <a:avLst/>
@@ -4066,13 +4016,13 @@
           <a:lstStyle/>
           <a:p>
             <a:r>
-              <a:rPr lang="de-DE" sz="1400" b="1" u="sng" dirty="0" err="1" smtClean="0">
+              <a:rPr lang="de-DE" sz="1400" b="1" u="sng" dirty="0" err="1">
                 <a:latin typeface="Rockwell" panose="02060603020205020403" pitchFamily="18" charset="0"/>
               </a:rPr>
               <a:t>onMasterSet</a:t>
             </a:r>
             <a:r>
-              <a:rPr lang="de-DE" sz="1400" b="1" u="sng" dirty="0" smtClean="0">
+              <a:rPr lang="de-DE" sz="1400" b="1" u="sng" dirty="0">
                 <a:latin typeface="Rockwell" panose="02060603020205020403" pitchFamily="18" charset="0"/>
               </a:rPr>
               <a:t>()</a:t>
@@ -4080,86 +4030,59 @@
           </a:p>
           <a:p>
             <a:r>
-              <a:rPr lang="de-DE" sz="1200" dirty="0" smtClean="0">
-                <a:latin typeface="Rockwell" panose="02060603020205020403" pitchFamily="18" charset="0"/>
-              </a:rPr>
-              <a:t>Mit der </a:t>
-            </a:r>
-            <a:r>
-              <a:rPr lang="de-DE" sz="1200" dirty="0" err="1" smtClean="0">
-                <a:latin typeface="Rockwell" panose="02060603020205020403" pitchFamily="18" charset="0"/>
-              </a:rPr>
-              <a:t>cursorToCategoryModel</a:t>
-            </a:r>
-            <a:r>
-              <a:rPr lang="de-DE" sz="1200" dirty="0" smtClean="0">
-                <a:latin typeface="Rockwell" panose="02060603020205020403" pitchFamily="18" charset="0"/>
-              </a:rPr>
-              <a:t>()-Funktion wird ein Cursor in ein </a:t>
-            </a:r>
-            <a:r>
-              <a:rPr lang="de-DE" sz="1200" dirty="0" err="1" smtClean="0">
-                <a:latin typeface="Rockwell" panose="02060603020205020403" pitchFamily="18" charset="0"/>
-              </a:rPr>
-              <a:t>CategoryModel</a:t>
-            </a:r>
-            <a:r>
-              <a:rPr lang="de-DE" sz="1200" dirty="0" smtClean="0">
-                <a:latin typeface="Rockwell" panose="02060603020205020403" pitchFamily="18" charset="0"/>
-              </a:rPr>
-              <a:t> umgewandelt. Die benötigen Daten des Cursors werden mit der Funktion </a:t>
-            </a:r>
-            <a:r>
-              <a:rPr lang="de-DE" sz="1200" dirty="0" err="1" smtClean="0">
-                <a:latin typeface="Rockwell" panose="02060603020205020403" pitchFamily="18" charset="0"/>
-              </a:rPr>
-              <a:t>getString</a:t>
-            </a:r>
-            <a:r>
-              <a:rPr lang="de-DE" sz="1200" dirty="0" smtClean="0">
-                <a:latin typeface="Rockwell" panose="02060603020205020403" pitchFamily="18" charset="0"/>
-              </a:rPr>
-              <a:t>() bzw. </a:t>
-            </a:r>
-            <a:r>
-              <a:rPr lang="de-DE" sz="1200" dirty="0" err="1" smtClean="0">
-                <a:latin typeface="Rockwell" panose="02060603020205020403" pitchFamily="18" charset="0"/>
-              </a:rPr>
-              <a:t>getInt</a:t>
-            </a:r>
-            <a:r>
-              <a:rPr lang="de-DE" sz="1200" dirty="0" smtClean="0">
-                <a:latin typeface="Rockwell" panose="02060603020205020403" pitchFamily="18" charset="0"/>
-              </a:rPr>
-              <a:t>() geladen. Das </a:t>
-            </a:r>
-            <a:r>
-              <a:rPr lang="de-DE" sz="1200" dirty="0" err="1" smtClean="0">
-                <a:latin typeface="Rockwell" panose="02060603020205020403" pitchFamily="18" charset="0"/>
-              </a:rPr>
-              <a:t>CategoryModel</a:t>
-            </a:r>
-            <a:r>
-              <a:rPr lang="de-DE" sz="1200" dirty="0" smtClean="0">
-                <a:latin typeface="Rockwell" panose="02060603020205020403" pitchFamily="18" charset="0"/>
-              </a:rPr>
-              <a:t> verfügt über einen </a:t>
-            </a:r>
-            <a:r>
-              <a:rPr lang="de-DE" sz="1200" dirty="0" err="1" smtClean="0">
-                <a:latin typeface="Rockwell" panose="02060603020205020403" pitchFamily="18" charset="0"/>
-              </a:rPr>
-              <a:t>Constructor</a:t>
-            </a:r>
-            <a:r>
-              <a:rPr lang="de-DE" sz="1200" dirty="0" smtClean="0">
-                <a:latin typeface="Rockwell" panose="02060603020205020403" pitchFamily="18" charset="0"/>
-              </a:rPr>
-              <a:t>, der genau diese Werte als Parameter benötigt.</a:t>
-            </a:r>
-            <a:endParaRPr lang="de-DE" sz="1200" dirty="0">
-              <a:latin typeface="Rockwell" panose="02060603020205020403" pitchFamily="18" charset="0"/>
-            </a:endParaRPr>
+              <a:rPr lang="de-DE" sz="1200" dirty="0">
+                <a:latin typeface="Rockwell" panose="02060603020205020403" pitchFamily="18" charset="0"/>
+              </a:rPr>
+              <a:t>Wenn alle Validierungen </a:t>
+            </a:r>
+            <a:r>
+              <a:rPr lang="de-DE" sz="1200" dirty="0" err="1">
+                <a:latin typeface="Rockwell" panose="02060603020205020403" pitchFamily="18" charset="0"/>
+              </a:rPr>
+              <a:t>erflogreich</a:t>
+            </a:r>
+            <a:r>
+              <a:rPr lang="de-DE" sz="1200" dirty="0">
+                <a:latin typeface="Rockwell" panose="02060603020205020403" pitchFamily="18" charset="0"/>
+              </a:rPr>
+              <a:t> waren wird hier ein Eintrag in der Apple </a:t>
+            </a:r>
+            <a:r>
+              <a:rPr lang="de-DE" sz="1200" dirty="0" err="1">
+                <a:latin typeface="Rockwell" panose="02060603020205020403" pitchFamily="18" charset="0"/>
+              </a:rPr>
+              <a:t>KeyChain</a:t>
+            </a:r>
+            <a:r>
+              <a:rPr lang="de-DE" sz="1200" dirty="0">
+                <a:latin typeface="Rockwell" panose="02060603020205020403" pitchFamily="18" charset="0"/>
+              </a:rPr>
+              <a:t> vorgenommen. Hier muss Angemerkt werden das nur ein </a:t>
+            </a:r>
+            <a:r>
+              <a:rPr lang="de-DE" sz="1200" dirty="0" err="1">
+                <a:latin typeface="Rockwell" panose="02060603020205020403" pitchFamily="18" charset="0"/>
+              </a:rPr>
+              <a:t>HashValue</a:t>
+            </a:r>
+            <a:r>
+              <a:rPr lang="de-DE" sz="1200" dirty="0">
+                <a:latin typeface="Rockwell" panose="02060603020205020403" pitchFamily="18" charset="0"/>
+              </a:rPr>
+              <a:t> abgelegt wird. Somit </a:t>
+            </a:r>
+            <a:r>
+              <a:rPr lang="de-DE" sz="1200" dirty="0" err="1">
+                <a:latin typeface="Rockwell" panose="02060603020205020403" pitchFamily="18" charset="0"/>
+              </a:rPr>
+              <a:t>wied</a:t>
+            </a:r>
+            <a:r>
+              <a:rPr lang="de-DE" sz="1200" dirty="0">
+                <a:latin typeface="Rockwell" panose="02060603020205020403" pitchFamily="18" charset="0"/>
+              </a:rPr>
+              <a:t> NIE das eigentliche Passwort gespeichert!</a:t>
+            </a:r>
           </a:p>
         </p:txBody>
       </p:sp>
@@ -4173,13 +4096,6 @@
   <p:clrMapOvr>
     <a:masterClrMapping/>
   </p:clrMapOvr>
-  <p:timing>
-    <p:tnLst>
-      <p:par>
-        <p:cTn id="1" dur="indefinite" restart="never" nodeType="tmRoot"/>
-      </p:par>
-    </p:tnLst>
-  </p:timing>
 </p:sld>
 </file>
 
@@ -4301,7 +4217,7 @@
           <a:lstStyle/>
           <a:p>
             <a:r>
-              <a:rPr lang="de-DE" sz="3200" dirty="0" smtClean="0">
+              <a:rPr lang="de-DE" sz="3200" dirty="0">
                 <a:latin typeface="Rockwell" panose="02060603020205020403" pitchFamily="18" charset="0"/>
               </a:rPr>
               <a:t>Login - Code</a:t>
@@ -4348,7 +4264,7 @@
         <p:spPr>
           <a:xfrm>
             <a:off x="6754254" y="1404917"/>
-            <a:ext cx="3384376" cy="1600438"/>
+            <a:ext cx="3384376" cy="861774"/>
           </a:xfrm>
           <a:prstGeom prst="rect">
             <a:avLst/>
@@ -4362,13 +4278,13 @@
           <a:lstStyle/>
           <a:p>
             <a:r>
-              <a:rPr lang="de-DE" sz="1400" b="1" u="sng" dirty="0" err="1" smtClean="0">
+              <a:rPr lang="de-DE" sz="1400" b="1" u="sng" dirty="0" err="1">
                 <a:latin typeface="Rockwell" panose="02060603020205020403" pitchFamily="18" charset="0"/>
               </a:rPr>
               <a:t>onTouchDCheck</a:t>
             </a:r>
             <a:r>
-              <a:rPr lang="de-DE" sz="1400" b="1" u="sng" dirty="0" smtClean="0">
+              <a:rPr lang="de-DE" sz="1400" b="1" u="sng" dirty="0">
                 <a:latin typeface="Rockwell" panose="02060603020205020403" pitchFamily="18" charset="0"/>
               </a:rPr>
               <a:t>()</a:t>
@@ -4376,86 +4292,11 @@
           </a:p>
           <a:p>
             <a:r>
-              <a:rPr lang="de-DE" sz="1200" dirty="0" smtClean="0">
-                <a:latin typeface="Rockwell" panose="02060603020205020403" pitchFamily="18" charset="0"/>
-              </a:rPr>
-              <a:t>Mit der </a:t>
-            </a:r>
-            <a:r>
-              <a:rPr lang="de-DE" sz="1200" dirty="0" err="1" smtClean="0">
-                <a:latin typeface="Rockwell" panose="02060603020205020403" pitchFamily="18" charset="0"/>
-              </a:rPr>
-              <a:t>cursorToCategoryModel</a:t>
-            </a:r>
-            <a:r>
-              <a:rPr lang="de-DE" sz="1200" dirty="0" smtClean="0">
-                <a:latin typeface="Rockwell" panose="02060603020205020403" pitchFamily="18" charset="0"/>
-              </a:rPr>
-              <a:t>()-Funktion wird ein Cursor in ein </a:t>
-            </a:r>
-            <a:r>
-              <a:rPr lang="de-DE" sz="1200" dirty="0" err="1" smtClean="0">
-                <a:latin typeface="Rockwell" panose="02060603020205020403" pitchFamily="18" charset="0"/>
-              </a:rPr>
-              <a:t>CategoryModel</a:t>
-            </a:r>
-            <a:r>
-              <a:rPr lang="de-DE" sz="1200" dirty="0" smtClean="0">
-                <a:latin typeface="Rockwell" panose="02060603020205020403" pitchFamily="18" charset="0"/>
-              </a:rPr>
-              <a:t> umgewandelt. Die benötigen Daten des Cursors werden mit der Funktion </a:t>
-            </a:r>
-            <a:r>
-              <a:rPr lang="de-DE" sz="1200" dirty="0" err="1" smtClean="0">
-                <a:latin typeface="Rockwell" panose="02060603020205020403" pitchFamily="18" charset="0"/>
-              </a:rPr>
-              <a:t>getString</a:t>
-            </a:r>
-            <a:r>
-              <a:rPr lang="de-DE" sz="1200" dirty="0" smtClean="0">
-                <a:latin typeface="Rockwell" panose="02060603020205020403" pitchFamily="18" charset="0"/>
-              </a:rPr>
-              <a:t>() bzw. </a:t>
-            </a:r>
-            <a:r>
-              <a:rPr lang="de-DE" sz="1200" dirty="0" err="1" smtClean="0">
-                <a:latin typeface="Rockwell" panose="02060603020205020403" pitchFamily="18" charset="0"/>
-              </a:rPr>
-              <a:t>getInt</a:t>
-            </a:r>
-            <a:r>
-              <a:rPr lang="de-DE" sz="1200" dirty="0" smtClean="0">
-                <a:latin typeface="Rockwell" panose="02060603020205020403" pitchFamily="18" charset="0"/>
-              </a:rPr>
-              <a:t>() geladen. Das </a:t>
-            </a:r>
-            <a:r>
-              <a:rPr lang="de-DE" sz="1200" dirty="0" err="1" smtClean="0">
-                <a:latin typeface="Rockwell" panose="02060603020205020403" pitchFamily="18" charset="0"/>
-              </a:rPr>
-              <a:t>CategoryModel</a:t>
-            </a:r>
-            <a:r>
-              <a:rPr lang="de-DE" sz="1200" dirty="0" smtClean="0">
-                <a:latin typeface="Rockwell" panose="02060603020205020403" pitchFamily="18" charset="0"/>
-              </a:rPr>
-              <a:t> verfügt über einen </a:t>
-            </a:r>
-            <a:r>
-              <a:rPr lang="de-DE" sz="1200" dirty="0" err="1" smtClean="0">
-                <a:latin typeface="Rockwell" panose="02060603020205020403" pitchFamily="18" charset="0"/>
-              </a:rPr>
-              <a:t>Constructor</a:t>
-            </a:r>
-            <a:r>
-              <a:rPr lang="de-DE" sz="1200" dirty="0" smtClean="0">
-                <a:latin typeface="Rockwell" panose="02060603020205020403" pitchFamily="18" charset="0"/>
-              </a:rPr>
-              <a:t>, der genau diese Werte als Parameter benötigt.</a:t>
-            </a:r>
-            <a:endParaRPr lang="de-DE" sz="1200" dirty="0">
-              <a:latin typeface="Rockwell" panose="02060603020205020403" pitchFamily="18" charset="0"/>
-            </a:endParaRPr>
+              <a:rPr lang="de-DE" sz="1200" dirty="0">
+                <a:latin typeface="Rockwell" panose="02060603020205020403" pitchFamily="18" charset="0"/>
+              </a:rPr>
+              <a:t>Mit dieser Funktion wird die Touch ID von Apple aktiviert. Nun kann der User versuchen sich mit seinem Fingerprint anzumelden.</a:t>
+            </a:r>
           </a:p>
         </p:txBody>
       </p:sp>
@@ -4468,7 +4309,7 @@
         <p:spPr>
           <a:xfrm>
             <a:off x="6754254" y="3792517"/>
-            <a:ext cx="3384376" cy="1600438"/>
+            <a:ext cx="3384376" cy="1046440"/>
           </a:xfrm>
           <a:prstGeom prst="rect">
             <a:avLst/>
@@ -4482,13 +4323,13 @@
           <a:lstStyle/>
           <a:p>
             <a:r>
-              <a:rPr lang="de-DE" sz="1400" b="1" u="sng" dirty="0" err="1" smtClean="0">
+              <a:rPr lang="de-DE" sz="1400" b="1" u="sng" dirty="0" err="1">
                 <a:latin typeface="Rockwell" panose="02060603020205020403" pitchFamily="18" charset="0"/>
               </a:rPr>
               <a:t>login</a:t>
             </a:r>
             <a:r>
-              <a:rPr lang="de-DE" sz="1400" b="1" u="sng" dirty="0" smtClean="0">
+              <a:rPr lang="de-DE" sz="1400" b="1" u="sng" dirty="0">
                 <a:latin typeface="Rockwell" panose="02060603020205020403" pitchFamily="18" charset="0"/>
               </a:rPr>
               <a:t>()</a:t>
@@ -4496,86 +4337,35 @@
           </a:p>
           <a:p>
             <a:r>
-              <a:rPr lang="de-DE" sz="1200" dirty="0" smtClean="0">
-                <a:latin typeface="Rockwell" panose="02060603020205020403" pitchFamily="18" charset="0"/>
-              </a:rPr>
-              <a:t>Mit der </a:t>
-            </a:r>
-            <a:r>
-              <a:rPr lang="de-DE" sz="1200" dirty="0" err="1" smtClean="0">
-                <a:latin typeface="Rockwell" panose="02060603020205020403" pitchFamily="18" charset="0"/>
-              </a:rPr>
-              <a:t>cursorToCategoryModel</a:t>
-            </a:r>
-            <a:r>
-              <a:rPr lang="de-DE" sz="1200" dirty="0" smtClean="0">
-                <a:latin typeface="Rockwell" panose="02060603020205020403" pitchFamily="18" charset="0"/>
-              </a:rPr>
-              <a:t>()-Funktion wird ein Cursor in ein </a:t>
-            </a:r>
-            <a:r>
-              <a:rPr lang="de-DE" sz="1200" dirty="0" err="1" smtClean="0">
-                <a:latin typeface="Rockwell" panose="02060603020205020403" pitchFamily="18" charset="0"/>
-              </a:rPr>
-              <a:t>CategoryModel</a:t>
-            </a:r>
-            <a:r>
-              <a:rPr lang="de-DE" sz="1200" dirty="0" smtClean="0">
-                <a:latin typeface="Rockwell" panose="02060603020205020403" pitchFamily="18" charset="0"/>
-              </a:rPr>
-              <a:t> umgewandelt. Die benötigen Daten des Cursors werden mit der Funktion </a:t>
-            </a:r>
-            <a:r>
-              <a:rPr lang="de-DE" sz="1200" dirty="0" err="1" smtClean="0">
-                <a:latin typeface="Rockwell" panose="02060603020205020403" pitchFamily="18" charset="0"/>
-              </a:rPr>
-              <a:t>getString</a:t>
-            </a:r>
-            <a:r>
-              <a:rPr lang="de-DE" sz="1200" dirty="0" smtClean="0">
-                <a:latin typeface="Rockwell" panose="02060603020205020403" pitchFamily="18" charset="0"/>
-              </a:rPr>
-              <a:t>() bzw. </a:t>
-            </a:r>
-            <a:r>
-              <a:rPr lang="de-DE" sz="1200" dirty="0" err="1" smtClean="0">
-                <a:latin typeface="Rockwell" panose="02060603020205020403" pitchFamily="18" charset="0"/>
-              </a:rPr>
-              <a:t>getInt</a:t>
-            </a:r>
-            <a:r>
-              <a:rPr lang="de-DE" sz="1200" dirty="0" smtClean="0">
-                <a:latin typeface="Rockwell" panose="02060603020205020403" pitchFamily="18" charset="0"/>
-              </a:rPr>
-              <a:t>() geladen. Das </a:t>
-            </a:r>
-            <a:r>
-              <a:rPr lang="de-DE" sz="1200" dirty="0" err="1" smtClean="0">
-                <a:latin typeface="Rockwell" panose="02060603020205020403" pitchFamily="18" charset="0"/>
-              </a:rPr>
-              <a:t>CategoryModel</a:t>
-            </a:r>
-            <a:r>
-              <a:rPr lang="de-DE" sz="1200" dirty="0" smtClean="0">
-                <a:latin typeface="Rockwell" panose="02060603020205020403" pitchFamily="18" charset="0"/>
-              </a:rPr>
-              <a:t> verfügt über einen </a:t>
-            </a:r>
-            <a:r>
-              <a:rPr lang="de-DE" sz="1200" dirty="0" err="1" smtClean="0">
-                <a:latin typeface="Rockwell" panose="02060603020205020403" pitchFamily="18" charset="0"/>
-              </a:rPr>
-              <a:t>Constructor</a:t>
-            </a:r>
-            <a:r>
-              <a:rPr lang="de-DE" sz="1200" dirty="0" smtClean="0">
-                <a:latin typeface="Rockwell" panose="02060603020205020403" pitchFamily="18" charset="0"/>
-              </a:rPr>
-              <a:t>, der genau diese Werte als Parameter benötigt.</a:t>
-            </a:r>
-            <a:endParaRPr lang="de-DE" sz="1200" dirty="0">
-              <a:latin typeface="Rockwell" panose="02060603020205020403" pitchFamily="18" charset="0"/>
-            </a:endParaRPr>
+              <a:rPr lang="de-DE" sz="1200" dirty="0">
+                <a:latin typeface="Rockwell" panose="02060603020205020403" pitchFamily="18" charset="0"/>
+              </a:rPr>
+              <a:t>Hier wird Überprüft ob der User das richtige Masterpasswort eingibt. Wieder wird ein </a:t>
+            </a:r>
+            <a:r>
+              <a:rPr lang="de-DE" sz="1200" dirty="0" err="1">
+                <a:latin typeface="Rockwell" panose="02060603020205020403" pitchFamily="18" charset="0"/>
+              </a:rPr>
+              <a:t>HashValue</a:t>
+            </a:r>
+            <a:r>
+              <a:rPr lang="de-DE" sz="1200" dirty="0">
+                <a:latin typeface="Rockwell" panose="02060603020205020403" pitchFamily="18" charset="0"/>
+              </a:rPr>
+              <a:t> erzeugt und dieser mit dem Eintrag in der Apple </a:t>
+            </a:r>
+            <a:r>
+              <a:rPr lang="de-DE" sz="1200" dirty="0" err="1">
+                <a:latin typeface="Rockwell" panose="02060603020205020403" pitchFamily="18" charset="0"/>
+              </a:rPr>
+              <a:t>KeyChain</a:t>
+            </a:r>
+            <a:r>
+              <a:rPr lang="de-DE" sz="1200" dirty="0">
+                <a:latin typeface="Rockwell" panose="02060603020205020403" pitchFamily="18" charset="0"/>
+              </a:rPr>
+              <a:t> verglichen.</a:t>
+            </a:r>
           </a:p>
         </p:txBody>
       </p:sp>
@@ -4589,13 +4379,6 @@
   <p:clrMapOvr>
     <a:masterClrMapping/>
   </p:clrMapOvr>
-  <p:timing>
-    <p:tnLst>
-      <p:par>
-        <p:cTn id="1" dur="indefinite" restart="never" nodeType="tmRoot"/>
-      </p:par>
-    </p:tnLst>
-  </p:timing>
 </p:sld>
 </file>
 
@@ -4717,7 +4500,7 @@
           <a:lstStyle/>
           <a:p>
             <a:r>
-              <a:rPr lang="de-DE" sz="3200" dirty="0" smtClean="0">
+              <a:rPr lang="de-DE" sz="3200" dirty="0">
                 <a:latin typeface="Rockwell" panose="02060603020205020403" pitchFamily="18" charset="0"/>
               </a:rPr>
               <a:t>Main View - Code</a:t>
@@ -4778,13 +4561,13 @@
           <a:lstStyle/>
           <a:p>
             <a:r>
-              <a:rPr lang="de-DE" sz="1400" b="1" u="sng" dirty="0" err="1" smtClean="0">
+              <a:rPr lang="de-DE" sz="1400" b="1" u="sng" dirty="0" err="1">
                 <a:latin typeface="Rockwell" panose="02060603020205020403" pitchFamily="18" charset="0"/>
               </a:rPr>
               <a:t>EditFolderButtonClicked</a:t>
             </a:r>
             <a:r>
-              <a:rPr lang="de-DE" sz="1400" b="1" u="sng" dirty="0" smtClean="0">
+              <a:rPr lang="de-DE" sz="1400" b="1" u="sng" dirty="0">
                 <a:latin typeface="Rockwell" panose="02060603020205020403" pitchFamily="18" charset="0"/>
               </a:rPr>
               <a:t>()</a:t>
@@ -4792,68 +4575,59 @@
           </a:p>
           <a:p>
             <a:r>
-              <a:rPr lang="de-DE" sz="1200" dirty="0" smtClean="0">
+              <a:rPr lang="de-DE" sz="1200" dirty="0">
                 <a:latin typeface="Rockwell" panose="02060603020205020403" pitchFamily="18" charset="0"/>
               </a:rPr>
               <a:t>Die Funktion </a:t>
             </a:r>
             <a:r>
-              <a:rPr lang="de-DE" sz="1200" dirty="0" err="1" smtClean="0">
+              <a:rPr lang="de-DE" sz="1200" dirty="0" err="1">
                 <a:latin typeface="Rockwell" panose="02060603020205020403" pitchFamily="18" charset="0"/>
               </a:rPr>
               <a:t>EditFolderButtonClicked</a:t>
             </a:r>
             <a:r>
-              <a:rPr lang="de-DE" sz="1200" dirty="0" smtClean="0">
+              <a:rPr lang="de-DE" sz="1200" dirty="0">
                 <a:latin typeface="Rockwell" panose="02060603020205020403" pitchFamily="18" charset="0"/>
               </a:rPr>
               <a:t> (Action eines </a:t>
             </a:r>
             <a:r>
-              <a:rPr lang="de-DE" sz="1200" dirty="0" err="1" smtClean="0">
+              <a:rPr lang="de-DE" sz="1200" dirty="0" err="1">
                 <a:latin typeface="Rockwell" panose="02060603020205020403" pitchFamily="18" charset="0"/>
               </a:rPr>
               <a:t>UIButtons</a:t>
             </a:r>
             <a:r>
-              <a:rPr lang="de-DE" sz="1200" dirty="0" smtClean="0">
-                <a:latin typeface="Rockwell" panose="02060603020205020403" pitchFamily="18" charset="0"/>
-              </a:rPr>
-              <a:t>) öffnet eine neue View zum Editieren einer Kategorie. </a:t>
-            </a:r>
-            <a:r>
-              <a:rPr lang="de-DE" sz="1200" dirty="0" smtClean="0">
-                <a:latin typeface="Rockwell" panose="02060603020205020403" pitchFamily="18" charset="0"/>
-              </a:rPr>
-              <a:t>Der Text des Back-Buttons wird hier gesetzt, da sonst zweimal der gleiche Text in der </a:t>
-            </a:r>
-            <a:r>
-              <a:rPr lang="de-DE" sz="1200" dirty="0" err="1" smtClean="0">
+              <a:rPr lang="de-DE" sz="1200" dirty="0">
+                <a:latin typeface="Rockwell" panose="02060603020205020403" pitchFamily="18" charset="0"/>
+              </a:rPr>
+              <a:t>) öffnet eine neue View zum Editieren einer Kategorie. Der Text des Back-Buttons wird hier gesetzt, da sonst zweimal der gleiche Text in der </a:t>
+            </a:r>
+            <a:r>
+              <a:rPr lang="de-DE" sz="1200" dirty="0" err="1">
                 <a:latin typeface="Rockwell" panose="02060603020205020403" pitchFamily="18" charset="0"/>
               </a:rPr>
               <a:t>Navigations</a:t>
             </a:r>
             <a:r>
-              <a:rPr lang="de-DE" sz="1200" dirty="0" smtClean="0">
+              <a:rPr lang="de-DE" sz="1200" dirty="0">
                 <a:latin typeface="Rockwell" panose="02060603020205020403" pitchFamily="18" charset="0"/>
               </a:rPr>
               <a:t> Bar stehen würde. Dem </a:t>
             </a:r>
             <a:r>
-              <a:rPr lang="de-DE" sz="1200" dirty="0" err="1" smtClean="0">
+              <a:rPr lang="de-DE" sz="1200" dirty="0" err="1">
                 <a:latin typeface="Rockwell" panose="02060603020205020403" pitchFamily="18" charset="0"/>
               </a:rPr>
               <a:t>ViewController</a:t>
             </a:r>
             <a:r>
-              <a:rPr lang="de-DE" sz="1200" dirty="0" smtClean="0">
+              <a:rPr lang="de-DE" sz="1200" dirty="0">
                 <a:latin typeface="Rockwell" panose="02060603020205020403" pitchFamily="18" charset="0"/>
               </a:rPr>
               <a:t> wird noch die richtige Kategorie zugewiesen, bevor man auf ihn navigiert.</a:t>
             </a:r>
-            <a:endParaRPr lang="de-DE" sz="1200" dirty="0">
-              <a:latin typeface="Rockwell" panose="02060603020205020403" pitchFamily="18" charset="0"/>
-            </a:endParaRPr>
           </a:p>
         </p:txBody>
       </p:sp>
@@ -4880,13 +4654,13 @@
           <a:lstStyle/>
           <a:p>
             <a:r>
-              <a:rPr lang="de-DE" sz="1400" b="1" u="sng" dirty="0" err="1" smtClean="0">
+              <a:rPr lang="de-DE" sz="1400" b="1" u="sng" dirty="0" err="1">
                 <a:latin typeface="Rockwell" panose="02060603020205020403" pitchFamily="18" charset="0"/>
               </a:rPr>
               <a:t>viewWillAppear</a:t>
             </a:r>
             <a:r>
-              <a:rPr lang="de-DE" sz="1400" b="1" u="sng" dirty="0" smtClean="0">
+              <a:rPr lang="de-DE" sz="1400" b="1" u="sng" dirty="0">
                 <a:latin typeface="Rockwell" panose="02060603020205020403" pitchFamily="18" charset="0"/>
               </a:rPr>
               <a:t>()</a:t>
@@ -4894,26 +4668,23 @@
           </a:p>
           <a:p>
             <a:r>
-              <a:rPr lang="de-DE" sz="1200" dirty="0" smtClean="0">
+              <a:rPr lang="de-DE" sz="1200" dirty="0">
                 <a:latin typeface="Rockwell" panose="02060603020205020403" pitchFamily="18" charset="0"/>
               </a:rPr>
               <a:t>Um die View mit Daten zu befüllen, wird hier die Funktion </a:t>
             </a:r>
             <a:r>
-              <a:rPr lang="de-DE" sz="1200" dirty="0" err="1" smtClean="0">
+              <a:rPr lang="de-DE" sz="1200" dirty="0" err="1">
                 <a:latin typeface="Rockwell" panose="02060603020205020403" pitchFamily="18" charset="0"/>
               </a:rPr>
               <a:t>viewWillAppear</a:t>
             </a:r>
             <a:r>
-              <a:rPr lang="de-DE" sz="1200" dirty="0" smtClean="0">
+              <a:rPr lang="de-DE" sz="1200" dirty="0">
                 <a:latin typeface="Rockwell" panose="02060603020205020403" pitchFamily="18" charset="0"/>
               </a:rPr>
               <a:t>() genutzt. Da die Daten immer aktuell sein müssen, da sie auf anderen Views aktualisiert werden, werden die Daten immer frisch aus der Datenbank geladen und in die nötigen Labels eingetragen.</a:t>
             </a:r>
-            <a:endParaRPr lang="de-DE" sz="1200" dirty="0">
-              <a:latin typeface="Rockwell" panose="02060603020205020403" pitchFamily="18" charset="0"/>
-            </a:endParaRPr>
           </a:p>
         </p:txBody>
       </p:sp>
@@ -4990,10 +4761,9 @@
             <a:lstStyle/>
             <a:p>
               <a:r>
-                <a:rPr lang="de-DE" sz="800" dirty="0" smtClean="0"/>
+                <a:rPr lang="de-DE" sz="800" dirty="0"/>
                 <a:t>Ausgewählte Kategorie</a:t>
               </a:r>
-              <a:endParaRPr lang="de-DE" sz="800" dirty="0"/>
             </a:p>
           </p:txBody>
         </p:sp>
@@ -5071,10 +4841,9 @@
             <a:lstStyle/>
             <a:p>
               <a:r>
-                <a:rPr lang="de-DE" sz="800" dirty="0" smtClean="0"/>
+                <a:rPr lang="de-DE" sz="800" dirty="0"/>
                 <a:t>Table View</a:t>
               </a:r>
-              <a:endParaRPr lang="de-DE" sz="800" dirty="0"/>
             </a:p>
           </p:txBody>
         </p:sp>
@@ -5152,10 +4921,9 @@
             <a:lstStyle/>
             <a:p>
               <a:r>
-                <a:rPr lang="de-DE" sz="800" dirty="0" smtClean="0"/>
+                <a:rPr lang="de-DE" sz="800" dirty="0"/>
                 <a:t>Datenbank Manager initialisieren (später mehr dazu)</a:t>
               </a:r>
-              <a:endParaRPr lang="de-DE" sz="800" dirty="0"/>
             </a:p>
           </p:txBody>
         </p:sp>
@@ -5233,10 +5001,9 @@
             <a:lstStyle/>
             <a:p>
               <a:r>
-                <a:rPr lang="de-DE" sz="800" dirty="0" smtClean="0"/>
+                <a:rPr lang="de-DE" sz="800" dirty="0"/>
                 <a:t>Description Label</a:t>
               </a:r>
-              <a:endParaRPr lang="de-DE" sz="800" dirty="0"/>
             </a:p>
           </p:txBody>
         </p:sp>
@@ -5314,10 +5081,9 @@
             <a:lstStyle/>
             <a:p>
               <a:r>
-                <a:rPr lang="de-DE" sz="800" dirty="0" smtClean="0"/>
+                <a:rPr lang="de-DE" sz="800" dirty="0"/>
                 <a:t>Liste der Passwörter</a:t>
               </a:r>
-              <a:endParaRPr lang="de-DE" sz="800" dirty="0"/>
             </a:p>
           </p:txBody>
         </p:sp>
@@ -5395,10 +5161,9 @@
             <a:lstStyle/>
             <a:p>
               <a:r>
-                <a:rPr lang="de-DE" sz="800" dirty="0" smtClean="0"/>
+                <a:rPr lang="de-DE" sz="800" dirty="0"/>
                 <a:t>Passwörter aus der Datenbank laden</a:t>
               </a:r>
-              <a:endParaRPr lang="de-DE" sz="800" dirty="0"/>
             </a:p>
           </p:txBody>
         </p:sp>
@@ -5483,13 +5248,13 @@
             <a:lstStyle/>
             <a:p>
               <a:r>
-                <a:rPr lang="de-DE" sz="800" dirty="0" smtClean="0"/>
+                <a:rPr lang="de-DE" sz="800" dirty="0"/>
                 <a:t>Das Beschreibungs-Label muss mehrere </a:t>
               </a:r>
             </a:p>
             <a:p>
               <a:r>
-                <a:rPr lang="de-DE" sz="800" dirty="0" smtClean="0"/>
+                <a:rPr lang="de-DE" sz="800" dirty="0"/>
                 <a:t>Zeilen darstellen können</a:t>
               </a:r>
             </a:p>
@@ -5579,13 +5344,13 @@
             <a:lstStyle/>
             <a:p>
               <a:r>
-                <a:rPr lang="de-DE" sz="800" dirty="0" smtClean="0"/>
+                <a:rPr lang="de-DE" sz="800" dirty="0"/>
                 <a:t>Zur nächsten Controller</a:t>
               </a:r>
             </a:p>
             <a:p>
               <a:r>
-                <a:rPr lang="de-DE" sz="800" dirty="0" smtClean="0"/>
+                <a:rPr lang="de-DE" sz="800" dirty="0"/>
                 <a:t>navigieren</a:t>
               </a:r>
             </a:p>
@@ -5605,13 +5370,6 @@
   <p:clrMapOvr>
     <a:masterClrMapping/>
   </p:clrMapOvr>
-  <p:timing>
-    <p:tnLst>
-      <p:par>
-        <p:cTn id="1" dur="indefinite" restart="never" nodeType="tmRoot"/>
-      </p:par>
-    </p:tnLst>
-  </p:timing>
 </p:sld>
 </file>
 
@@ -5733,7 +5491,7 @@
           <a:lstStyle/>
           <a:p>
             <a:r>
-              <a:rPr lang="de-DE" sz="3200" dirty="0" smtClean="0">
+              <a:rPr lang="de-DE" sz="3200" dirty="0">
                 <a:latin typeface="Rockwell" panose="02060603020205020403" pitchFamily="18" charset="0"/>
               </a:rPr>
               <a:t>Suche - Code</a:t>
@@ -5794,13 +5552,13 @@
           <a:lstStyle/>
           <a:p>
             <a:r>
-              <a:rPr lang="de-DE" sz="1400" b="1" u="sng" dirty="0" err="1" smtClean="0">
+              <a:rPr lang="de-DE" sz="1400" b="1" u="sng" dirty="0" err="1">
                 <a:latin typeface="Rockwell" panose="02060603020205020403" pitchFamily="18" charset="0"/>
               </a:rPr>
               <a:t>filterContentForSearch</a:t>
             </a:r>
             <a:r>
-              <a:rPr lang="de-DE" sz="1400" b="1" u="sng" dirty="0" smtClean="0">
+              <a:rPr lang="de-DE" sz="1400" b="1" u="sng" dirty="0">
                 <a:latin typeface="Rockwell" panose="02060603020205020403" pitchFamily="18" charset="0"/>
               </a:rPr>
               <a:t>()</a:t>
@@ -5808,25 +5566,25 @@
           </a:p>
           <a:p>
             <a:r>
-              <a:rPr lang="de-DE" sz="1200" dirty="0" smtClean="0">
+              <a:rPr lang="de-DE" sz="1200" dirty="0">
                 <a:latin typeface="Rockwell" panose="02060603020205020403" pitchFamily="18" charset="0"/>
               </a:rPr>
               <a:t>Die </a:t>
             </a:r>
             <a:r>
-              <a:rPr lang="de-DE" sz="1200" dirty="0" err="1" smtClean="0">
+              <a:rPr lang="de-DE" sz="1200" dirty="0" err="1">
                 <a:latin typeface="Rockwell" panose="02060603020205020403" pitchFamily="18" charset="0"/>
               </a:rPr>
               <a:t>filterContentForSearch</a:t>
             </a:r>
             <a:r>
-              <a:rPr lang="de-DE" sz="1200" dirty="0" smtClean="0">
+              <a:rPr lang="de-DE" sz="1200" dirty="0">
                 <a:latin typeface="Rockwell" panose="02060603020205020403" pitchFamily="18" charset="0"/>
               </a:rPr>
               <a:t>()-Funktion bestimmt, welche Einträge im Zusammenhang mit einem Filter-String (hier </a:t>
             </a:r>
             <a:r>
-              <a:rPr lang="de-DE" sz="1200" b="1" dirty="0" err="1" smtClean="0">
+              <a:rPr lang="de-DE" sz="1200" b="1" dirty="0" err="1">
                 <a:solidFill>
                   <a:srgbClr val="7030A0"/>
                 </a:solidFill>
@@ -5835,50 +5593,47 @@
               <a:t>searchText</a:t>
             </a:r>
             <a:r>
-              <a:rPr lang="de-DE" sz="1200" dirty="0" smtClean="0">
+              <a:rPr lang="de-DE" sz="1200" dirty="0">
                 <a:latin typeface="Rockwell" panose="02060603020205020403" pitchFamily="18" charset="0"/>
               </a:rPr>
               <a:t>) angezeigt werden. Um auch eine Suche der für die Kategorie angelegten Passwörter zu ermöglichen, werden die Passwörter geladen und in einer For-Schleife auf den </a:t>
             </a:r>
             <a:r>
-              <a:rPr lang="de-DE" sz="1200" dirty="0" err="1" smtClean="0">
+              <a:rPr lang="de-DE" sz="1200" dirty="0" err="1">
                 <a:latin typeface="Rockwell" panose="02060603020205020403" pitchFamily="18" charset="0"/>
               </a:rPr>
               <a:t>searchText</a:t>
             </a:r>
             <a:r>
-              <a:rPr lang="de-DE" sz="1200" dirty="0" smtClean="0">
+              <a:rPr lang="de-DE" sz="1200" dirty="0">
                 <a:latin typeface="Rockwell" panose="02060603020205020403" pitchFamily="18" charset="0"/>
               </a:rPr>
               <a:t> geprüft.  Jeder Wert der geprüft wird, wird noch auf Kleinbuchstaben gesetzt, damit Groß- und Kleinschreibung keinen Einfluss auf die Suche haben. Gegen Ende werden die Daten der </a:t>
             </a:r>
             <a:r>
-              <a:rPr lang="de-DE" sz="1200" dirty="0" err="1" smtClean="0">
+              <a:rPr lang="de-DE" sz="1200" dirty="0" err="1">
                 <a:latin typeface="Rockwell" panose="02060603020205020403" pitchFamily="18" charset="0"/>
               </a:rPr>
               <a:t>TableView</a:t>
             </a:r>
             <a:r>
-              <a:rPr lang="de-DE" sz="1200" dirty="0" smtClean="0">
+              <a:rPr lang="de-DE" sz="1200" dirty="0">
                 <a:latin typeface="Rockwell" panose="02060603020205020403" pitchFamily="18" charset="0"/>
               </a:rPr>
               <a:t> noch mit der Funktion </a:t>
             </a:r>
             <a:r>
-              <a:rPr lang="de-DE" sz="1200" dirty="0" err="1" smtClean="0">
+              <a:rPr lang="de-DE" sz="1200" dirty="0" err="1">
                 <a:latin typeface="Rockwell" panose="02060603020205020403" pitchFamily="18" charset="0"/>
               </a:rPr>
               <a:t>reloadData</a:t>
             </a:r>
             <a:r>
-              <a:rPr lang="de-DE" sz="1200" dirty="0" smtClean="0">
+              <a:rPr lang="de-DE" sz="1200" dirty="0">
                 <a:latin typeface="Rockwell" panose="02060603020205020403" pitchFamily="18" charset="0"/>
               </a:rPr>
               <a:t>() neu geladen.</a:t>
             </a:r>
-            <a:endParaRPr lang="de-DE" sz="1200" dirty="0">
-              <a:latin typeface="Rockwell" panose="02060603020205020403" pitchFamily="18" charset="0"/>
-            </a:endParaRPr>
           </a:p>
         </p:txBody>
       </p:sp>
@@ -5892,13 +5647,6 @@
   <p:clrMapOvr>
     <a:masterClrMapping/>
   </p:clrMapOvr>
-  <p:timing>
-    <p:tnLst>
-      <p:par>
-        <p:cTn id="1" dur="indefinite" restart="never" nodeType="tmRoot"/>
-      </p:par>
-    </p:tnLst>
-  </p:timing>
 </p:sld>
 </file>
 
@@ -6020,13 +5768,13 @@
           <a:lstStyle/>
           <a:p>
             <a:r>
-              <a:rPr lang="de-DE" sz="3200" dirty="0" err="1" smtClean="0">
+              <a:rPr lang="de-DE" sz="3200" dirty="0" err="1">
                 <a:latin typeface="Rockwell" panose="02060603020205020403" pitchFamily="18" charset="0"/>
               </a:rPr>
               <a:t>Category</a:t>
             </a:r>
             <a:r>
-              <a:rPr lang="de-DE" sz="3200" dirty="0" smtClean="0">
+              <a:rPr lang="de-DE" sz="3200" dirty="0">
                 <a:latin typeface="Rockwell" panose="02060603020205020403" pitchFamily="18" charset="0"/>
               </a:rPr>
               <a:t> View - Code</a:t>
@@ -6087,61 +5835,58 @@
           <a:lstStyle/>
           <a:p>
             <a:r>
-              <a:rPr lang="de-DE" sz="1400" b="1" u="sng" dirty="0" err="1" smtClean="0">
+              <a:rPr lang="de-DE" sz="1400" b="1" u="sng" dirty="0" err="1">
                 <a:latin typeface="Rockwell" panose="02060603020205020403" pitchFamily="18" charset="0"/>
               </a:rPr>
               <a:t>SaveFolderButtonClicked</a:t>
             </a:r>
-            <a:endParaRPr lang="de-DE" sz="1400" b="1" u="sng" dirty="0" smtClean="0">
+            <a:endParaRPr lang="de-DE" sz="1400" b="1" u="sng" dirty="0">
               <a:latin typeface="Rockwell" panose="02060603020205020403" pitchFamily="18" charset="0"/>
             </a:endParaRPr>
           </a:p>
           <a:p>
             <a:r>
-              <a:rPr lang="de-DE" sz="1200" dirty="0" smtClean="0">
+              <a:rPr lang="de-DE" sz="1200" dirty="0">
                 <a:latin typeface="Rockwell" panose="02060603020205020403" pitchFamily="18" charset="0"/>
               </a:rPr>
               <a:t>Mit der </a:t>
             </a:r>
             <a:r>
-              <a:rPr lang="de-DE" sz="1200" dirty="0" err="1" smtClean="0">
+              <a:rPr lang="de-DE" sz="1200" dirty="0" err="1">
                 <a:latin typeface="Rockwell" panose="02060603020205020403" pitchFamily="18" charset="0"/>
               </a:rPr>
               <a:t>SaveFolderButtonClicked</a:t>
             </a:r>
             <a:r>
-              <a:rPr lang="de-DE" sz="1200" dirty="0" smtClean="0">
+              <a:rPr lang="de-DE" sz="1200" dirty="0">
                 <a:latin typeface="Rockwell" panose="02060603020205020403" pitchFamily="18" charset="0"/>
               </a:rPr>
               <a:t>()-</a:t>
             </a:r>
             <a:r>
-              <a:rPr lang="de-DE" sz="1200" dirty="0" err="1" smtClean="0">
+              <a:rPr lang="de-DE" sz="1200" dirty="0" err="1">
                 <a:latin typeface="Rockwell" panose="02060603020205020403" pitchFamily="18" charset="0"/>
               </a:rPr>
               <a:t>Funtkion</a:t>
             </a:r>
             <a:r>
-              <a:rPr lang="de-DE" sz="1200" dirty="0" smtClean="0">
+              <a:rPr lang="de-DE" sz="1200" dirty="0">
                 <a:latin typeface="Rockwell" panose="02060603020205020403" pitchFamily="18" charset="0"/>
               </a:rPr>
               <a:t> werden die Daten der aktuellen Kategorie in die Datenbank gespeichert. Zum Speichern wird wieder ein Objekt der Klasse </a:t>
             </a:r>
             <a:r>
-              <a:rPr lang="de-DE" sz="1200" dirty="0" err="1" smtClean="0">
+              <a:rPr lang="de-DE" sz="1200" dirty="0" err="1">
                 <a:latin typeface="Rockwell" panose="02060603020205020403" pitchFamily="18" charset="0"/>
               </a:rPr>
               <a:t>DBCategoryManager</a:t>
             </a:r>
             <a:r>
-              <a:rPr lang="de-DE" sz="1200" dirty="0" smtClean="0">
+              <a:rPr lang="de-DE" sz="1200" dirty="0">
                 <a:latin typeface="Rockwell" panose="02060603020205020403" pitchFamily="18" charset="0"/>
               </a:rPr>
               <a:t> verwendet, welche sich um das Daten-Management kümmert. Da ein leerer Name nicht zulässig ist, wird dies vorher verhindert. Am Ende werden noch die Daten der Kategorie aktualisiert, sodass man sie vorherigen View leicht aktualisieren kann.</a:t>
             </a:r>
-            <a:endParaRPr lang="de-DE" sz="1200" dirty="0">
-              <a:latin typeface="Rockwell" panose="02060603020205020403" pitchFamily="18" charset="0"/>
-            </a:endParaRPr>
           </a:p>
         </p:txBody>
       </p:sp>
@@ -6168,13 +5913,13 @@
           <a:lstStyle/>
           <a:p>
             <a:r>
-              <a:rPr lang="de-DE" sz="1400" b="1" u="sng" dirty="0" err="1" smtClean="0">
+              <a:rPr lang="de-DE" sz="1400" b="1" u="sng" dirty="0" err="1">
                 <a:latin typeface="Rockwell" panose="02060603020205020403" pitchFamily="18" charset="0"/>
               </a:rPr>
               <a:t>ButtonDeleteFolderClicked</a:t>
             </a:r>
             <a:r>
-              <a:rPr lang="de-DE" sz="1400" b="1" u="sng" dirty="0" smtClean="0">
+              <a:rPr lang="de-DE" sz="1400" b="1" u="sng" dirty="0">
                 <a:latin typeface="Rockwell" panose="02060603020205020403" pitchFamily="18" charset="0"/>
               </a:rPr>
               <a:t>()</a:t>
@@ -6182,86 +5927,83 @@
           </a:p>
           <a:p>
             <a:r>
-              <a:rPr lang="de-DE" sz="1200" dirty="0" smtClean="0">
+              <a:rPr lang="de-DE" sz="1200" dirty="0">
                 <a:latin typeface="Rockwell" panose="02060603020205020403" pitchFamily="18" charset="0"/>
               </a:rPr>
               <a:t>Die Funktion </a:t>
             </a:r>
             <a:r>
-              <a:rPr lang="de-DE" sz="1200" dirty="0" err="1" smtClean="0">
+              <a:rPr lang="de-DE" sz="1200" dirty="0" err="1">
                 <a:latin typeface="Rockwell" panose="02060603020205020403" pitchFamily="18" charset="0"/>
               </a:rPr>
               <a:t>ButtonDeleteFolderClicked</a:t>
             </a:r>
             <a:r>
-              <a:rPr lang="de-DE" sz="1200" dirty="0" smtClean="0">
+              <a:rPr lang="de-DE" sz="1200" dirty="0">
                 <a:latin typeface="Rockwell" panose="02060603020205020403" pitchFamily="18" charset="0"/>
               </a:rPr>
               <a:t>() löscht eine Kategorie in der Datenbank. Aus Sicherheitsgründen (Alle Passwörter werden sofort mitgelöscht) wird hier ein </a:t>
             </a:r>
             <a:r>
-              <a:rPr lang="de-DE" sz="1200" dirty="0" err="1" smtClean="0">
+              <a:rPr lang="de-DE" sz="1200" dirty="0" err="1">
                 <a:latin typeface="Rockwell" panose="02060603020205020403" pitchFamily="18" charset="0"/>
               </a:rPr>
               <a:t>AlertDialog</a:t>
             </a:r>
             <a:r>
-              <a:rPr lang="de-DE" sz="1200" dirty="0" smtClean="0">
+              <a:rPr lang="de-DE" sz="1200" dirty="0">
                 <a:latin typeface="Rockwell" panose="02060603020205020403" pitchFamily="18" charset="0"/>
               </a:rPr>
               <a:t> angezeigt, welcher verlangt, die Löschung zu bestätigen. Der </a:t>
             </a:r>
             <a:r>
-              <a:rPr lang="de-DE" sz="1200" dirty="0" err="1" smtClean="0">
+              <a:rPr lang="de-DE" sz="1200" dirty="0" err="1">
                 <a:latin typeface="Rockwell" panose="02060603020205020403" pitchFamily="18" charset="0"/>
               </a:rPr>
               <a:t>default</a:t>
             </a:r>
             <a:r>
-              <a:rPr lang="de-DE" sz="1200" dirty="0" smtClean="0">
+              <a:rPr lang="de-DE" sz="1200" dirty="0">
                 <a:latin typeface="Rockwell" panose="02060603020205020403" pitchFamily="18" charset="0"/>
               </a:rPr>
               <a:t>-Handler für den Alert-Dialog wird noch gesetzt, und der Dialog wird mit der </a:t>
             </a:r>
             <a:r>
-              <a:rPr lang="de-DE" sz="1200" dirty="0" err="1" smtClean="0">
+              <a:rPr lang="de-DE" sz="1200" dirty="0" err="1">
                 <a:latin typeface="Rockwell" panose="02060603020205020403" pitchFamily="18" charset="0"/>
               </a:rPr>
               <a:t>present</a:t>
             </a:r>
             <a:r>
-              <a:rPr lang="de-DE" sz="1200" dirty="0" smtClean="0">
+              <a:rPr lang="de-DE" sz="1200" dirty="0">
                 <a:latin typeface="Rockwell" panose="02060603020205020403" pitchFamily="18" charset="0"/>
               </a:rPr>
               <a:t>()-Funktion angezeigt. Da die letzte View (</a:t>
             </a:r>
             <a:r>
-              <a:rPr lang="de-DE" sz="1200" dirty="0" err="1" smtClean="0">
+              <a:rPr lang="de-DE" sz="1200" dirty="0" err="1">
                 <a:latin typeface="Rockwell" panose="02060603020205020403" pitchFamily="18" charset="0"/>
               </a:rPr>
               <a:t>ShowCategory</a:t>
             </a:r>
             <a:r>
-              <a:rPr lang="de-DE" sz="1200" dirty="0" smtClean="0">
+              <a:rPr lang="de-DE" sz="1200" dirty="0">
                 <a:latin typeface="Rockwell" panose="02060603020205020403" pitchFamily="18" charset="0"/>
               </a:rPr>
               <a:t>-View) nun nicht mehr vorhanden ist (da Kategorie gelöscht), wird mit der Funktion </a:t>
             </a:r>
             <a:r>
-              <a:rPr lang="de-DE" sz="1200" dirty="0" err="1" smtClean="0">
+              <a:rPr lang="de-DE" sz="1200" dirty="0" err="1">
                 <a:latin typeface="Rockwell" panose="02060603020205020403" pitchFamily="18" charset="0"/>
               </a:rPr>
               <a:t>backTwo</a:t>
             </a:r>
             <a:r>
-              <a:rPr lang="de-DE" sz="1200" dirty="0" smtClean="0">
+              <a:rPr lang="de-DE" sz="1200" dirty="0">
                 <a:latin typeface="Rockwell" panose="02060603020205020403" pitchFamily="18" charset="0"/>
               </a:rPr>
               <a:t>() 2 Views zurück navigiert (Main-View).</a:t>
             </a:r>
-            <a:endParaRPr lang="de-DE" sz="1200" dirty="0">
-              <a:latin typeface="Rockwell" panose="02060603020205020403" pitchFamily="18" charset="0"/>
-            </a:endParaRPr>
           </a:p>
         </p:txBody>
       </p:sp>
@@ -6338,10 +6080,9 @@
             <a:lstStyle/>
             <a:p>
               <a:r>
-                <a:rPr lang="de-DE" sz="800" dirty="0" smtClean="0"/>
+                <a:rPr lang="de-DE" sz="800" dirty="0"/>
                 <a:t>Ausgewählte Kategorie</a:t>
               </a:r>
-              <a:endParaRPr lang="de-DE" sz="800" dirty="0"/>
             </a:p>
           </p:txBody>
         </p:sp>
@@ -6419,7 +6160,7 @@
             <a:lstStyle/>
             <a:p>
               <a:r>
-                <a:rPr lang="de-DE" sz="800" dirty="0" err="1" smtClean="0"/>
+                <a:rPr lang="de-DE" sz="800" dirty="0" err="1"/>
                 <a:t>TextFields</a:t>
               </a:r>
               <a:endParaRPr lang="de-DE" sz="800" dirty="0"/>
@@ -6500,18 +6241,17 @@
             <a:lstStyle/>
             <a:p>
               <a:r>
-                <a:rPr lang="de-DE" sz="800" dirty="0" smtClean="0"/>
+                <a:rPr lang="de-DE" sz="800" dirty="0"/>
                 <a:t>Neuen Namen aus dem Name-</a:t>
               </a:r>
               <a:r>
-                <a:rPr lang="de-DE" sz="800" dirty="0" err="1" smtClean="0"/>
+                <a:rPr lang="de-DE" sz="800" dirty="0" err="1"/>
                 <a:t>TextField</a:t>
               </a:r>
               <a:r>
-                <a:rPr lang="de-DE" sz="800" dirty="0" smtClean="0"/>
+                <a:rPr lang="de-DE" sz="800" dirty="0"/>
                 <a:t> holen</a:t>
               </a:r>
-              <a:endParaRPr lang="de-DE" sz="800" dirty="0"/>
             </a:p>
           </p:txBody>
         </p:sp>
@@ -6596,10 +6336,9 @@
             <a:lstStyle/>
             <a:p>
               <a:r>
-                <a:rPr lang="de-DE" sz="800" dirty="0" smtClean="0"/>
+                <a:rPr lang="de-DE" sz="800" dirty="0"/>
                 <a:t>Leerer Name nicht zulässig</a:t>
               </a:r>
-              <a:endParaRPr lang="de-DE" sz="800" dirty="0"/>
             </a:p>
           </p:txBody>
         </p:sp>
@@ -6684,10 +6423,9 @@
             <a:lstStyle/>
             <a:p>
               <a:r>
-                <a:rPr lang="de-DE" sz="800" dirty="0" smtClean="0"/>
+                <a:rPr lang="de-DE" sz="800" dirty="0"/>
                 <a:t>Default-Handler</a:t>
               </a:r>
-              <a:endParaRPr lang="de-DE" sz="800" dirty="0"/>
             </a:p>
           </p:txBody>
         </p:sp>
@@ -6765,14 +6503,13 @@
             <a:lstStyle/>
             <a:p>
               <a:r>
-                <a:rPr lang="de-DE" sz="800" dirty="0" err="1" smtClean="0"/>
+                <a:rPr lang="de-DE" sz="800" dirty="0" err="1"/>
                 <a:t>Cancel</a:t>
               </a:r>
               <a:r>
-                <a:rPr lang="de-DE" sz="800" dirty="0" smtClean="0"/>
+                <a:rPr lang="de-DE" sz="800" dirty="0"/>
                 <a:t>-Handler (hier nicht nötig)</a:t>
               </a:r>
-              <a:endParaRPr lang="de-DE" sz="800" dirty="0"/>
             </a:p>
           </p:txBody>
         </p:sp>
@@ -6787,13 +6524,6 @@
   <p:clrMapOvr>
     <a:masterClrMapping/>
   </p:clrMapOvr>
-  <p:timing>
-    <p:tnLst>
-      <p:par>
-        <p:cTn id="1" dur="indefinite" restart="never" nodeType="tmRoot"/>
-      </p:par>
-    </p:tnLst>
-  </p:timing>
 </p:sld>
 </file>
 
@@ -6915,7 +6645,7 @@
           <a:lstStyle/>
           <a:p>
             <a:r>
-              <a:rPr lang="de-DE" sz="3200" dirty="0" smtClean="0">
+              <a:rPr lang="de-DE" sz="3200" dirty="0">
                 <a:latin typeface="Rockwell" panose="02060603020205020403" pitchFamily="18" charset="0"/>
               </a:rPr>
               <a:t>Password View - Code</a:t>
@@ -6976,13 +6706,13 @@
           <a:lstStyle/>
           <a:p>
             <a:r>
-              <a:rPr lang="de-DE" sz="1400" b="1" u="sng" dirty="0" err="1" smtClean="0">
+              <a:rPr lang="de-DE" sz="1400" b="1" u="sng" dirty="0" err="1">
                 <a:latin typeface="Rockwell" panose="02060603020205020403" pitchFamily="18" charset="0"/>
               </a:rPr>
               <a:t>viewWillAppear</a:t>
             </a:r>
             <a:r>
-              <a:rPr lang="de-DE" sz="1400" b="1" u="sng" dirty="0" smtClean="0">
+              <a:rPr lang="de-DE" sz="1400" b="1" u="sng" dirty="0">
                 <a:latin typeface="Rockwell" panose="02060603020205020403" pitchFamily="18" charset="0"/>
               </a:rPr>
               <a:t>()</a:t>
@@ -6990,32 +6720,23 @@
           </a:p>
           <a:p>
             <a:r>
-              <a:rPr lang="de-DE" sz="1200" dirty="0" smtClean="0">
+              <a:rPr lang="de-DE" sz="1200" dirty="0">
                 <a:latin typeface="Rockwell" panose="02060603020205020403" pitchFamily="18" charset="0"/>
               </a:rPr>
               <a:t>In der </a:t>
             </a:r>
             <a:r>
-              <a:rPr lang="de-DE" sz="1200" dirty="0" err="1" smtClean="0">
+              <a:rPr lang="de-DE" sz="1200" dirty="0" err="1">
                 <a:latin typeface="Rockwell" panose="02060603020205020403" pitchFamily="18" charset="0"/>
               </a:rPr>
               <a:t>viewWillAppear</a:t>
             </a:r>
             <a:r>
-              <a:rPr lang="de-DE" sz="1200" dirty="0" smtClean="0">
-                <a:latin typeface="Rockwell" panose="02060603020205020403" pitchFamily="18" charset="0"/>
-              </a:rPr>
-              <a:t>()-Funktion werden die Daten in die Labels eingetragen. </a:t>
-            </a:r>
-            <a:r>
-              <a:rPr lang="de-DE" sz="1200" dirty="0" smtClean="0">
-                <a:latin typeface="Rockwell" panose="02060603020205020403" pitchFamily="18" charset="0"/>
-              </a:rPr>
-              <a:t>Im unteren Teil muss das Editier-Datum sowie das Erstell-Datum noch auf ein bestimmtes Format formatiert werden (hier z.B. 13.07.2017 16:00). </a:t>
-            </a:r>
-            <a:endParaRPr lang="de-DE" sz="1200" dirty="0">
-              <a:latin typeface="Rockwell" panose="02060603020205020403" pitchFamily="18" charset="0"/>
-            </a:endParaRPr>
+              <a:rPr lang="de-DE" sz="1200" dirty="0">
+                <a:latin typeface="Rockwell" panose="02060603020205020403" pitchFamily="18" charset="0"/>
+              </a:rPr>
+              <a:t>()-Funktion werden die Daten in die Labels eingetragen. Im unteren Teil muss das Editier-Datum sowie das Erstell-Datum noch auf ein bestimmtes Format formatiert werden (hier z.B. 13.07.2017 16:00). </a:t>
+            </a:r>
           </a:p>
         </p:txBody>
       </p:sp>
@@ -7042,13 +6763,13 @@
           <a:lstStyle/>
           <a:p>
             <a:r>
-              <a:rPr lang="de-DE" sz="1400" b="1" u="sng" dirty="0" err="1" smtClean="0">
+              <a:rPr lang="de-DE" sz="1400" b="1" u="sng" dirty="0" err="1">
                 <a:latin typeface="Rockwell" panose="02060603020205020403" pitchFamily="18" charset="0"/>
               </a:rPr>
               <a:t>viewDidLoad</a:t>
             </a:r>
             <a:r>
-              <a:rPr lang="de-DE" sz="1400" b="1" u="sng" dirty="0" smtClean="0">
+              <a:rPr lang="de-DE" sz="1400" b="1" u="sng" dirty="0">
                 <a:latin typeface="Rockwell" panose="02060603020205020403" pitchFamily="18" charset="0"/>
               </a:rPr>
               <a:t>()</a:t>
@@ -7056,25 +6777,25 @@
           </a:p>
           <a:p>
             <a:r>
-              <a:rPr lang="de-DE" sz="1200" dirty="0" smtClean="0">
+              <a:rPr lang="de-DE" sz="1200" dirty="0">
                 <a:latin typeface="Rockwell" panose="02060603020205020403" pitchFamily="18" charset="0"/>
               </a:rPr>
               <a:t>Da die </a:t>
             </a:r>
             <a:r>
-              <a:rPr lang="de-DE" sz="1200" dirty="0" err="1" smtClean="0">
+              <a:rPr lang="de-DE" sz="1200" dirty="0" err="1">
                 <a:latin typeface="Rockwell" panose="02060603020205020403" pitchFamily="18" charset="0"/>
               </a:rPr>
               <a:t>ShowPasswordView</a:t>
             </a:r>
             <a:r>
-              <a:rPr lang="de-DE" sz="1200" dirty="0" smtClean="0">
+              <a:rPr lang="de-DE" sz="1200" dirty="0">
                 <a:latin typeface="Rockwell" panose="02060603020205020403" pitchFamily="18" charset="0"/>
               </a:rPr>
               <a:t>() 3 Icons benötigt, werden diese von der </a:t>
             </a:r>
             <a:r>
-              <a:rPr lang="de-DE" sz="1200" b="1" dirty="0" smtClean="0">
+              <a:rPr lang="de-DE" sz="1200" b="1" dirty="0">
                 <a:solidFill>
                   <a:srgbClr val="7030A0"/>
                 </a:solidFill>
@@ -7083,7 +6804,7 @@
               <a:t>Font </a:t>
             </a:r>
             <a:r>
-              <a:rPr lang="de-DE" sz="1200" b="1" dirty="0" err="1" smtClean="0">
+              <a:rPr lang="de-DE" sz="1200" b="1" dirty="0" err="1">
                 <a:solidFill>
                   <a:srgbClr val="7030A0"/>
                 </a:solidFill>
@@ -7092,7 +6813,7 @@
               <a:t>Awesome</a:t>
             </a:r>
             <a:r>
-              <a:rPr lang="de-DE" sz="1200" b="1" dirty="0" smtClean="0">
+              <a:rPr lang="de-DE" sz="1200" b="1" dirty="0">
                 <a:solidFill>
                   <a:srgbClr val="7030A0"/>
                 </a:solidFill>
@@ -7101,14 +6822,11 @@
               <a:t> Swift </a:t>
             </a:r>
             <a:r>
-              <a:rPr lang="de-DE" sz="1200" dirty="0" smtClean="0">
+              <a:rPr lang="de-DE" sz="1200" dirty="0">
                 <a:latin typeface="Rockwell" panose="02060603020205020403" pitchFamily="18" charset="0"/>
               </a:rPr>
               <a:t>Library geladen, außerdem muss das Description-Label auf Zeilenumbrüche gestellt werden.</a:t>
             </a:r>
-            <a:endParaRPr lang="de-DE" sz="1200" dirty="0">
-              <a:latin typeface="Rockwell" panose="02060603020205020403" pitchFamily="18" charset="0"/>
-            </a:endParaRPr>
           </a:p>
         </p:txBody>
       </p:sp>
@@ -7192,10 +6910,9 @@
             <a:lstStyle/>
             <a:p>
               <a:r>
-                <a:rPr lang="de-DE" sz="800" dirty="0" smtClean="0"/>
+                <a:rPr lang="de-DE" sz="800" dirty="0"/>
                 <a:t>UI-Elemente der View</a:t>
               </a:r>
-              <a:endParaRPr lang="de-DE" sz="800" dirty="0"/>
             </a:p>
           </p:txBody>
         </p:sp>
@@ -7273,10 +6990,9 @@
             <a:lstStyle/>
             <a:p>
               <a:r>
-                <a:rPr lang="de-DE" sz="800" dirty="0" smtClean="0"/>
+                <a:rPr lang="de-DE" sz="800" dirty="0"/>
                 <a:t>Ausgewähltes Passwort</a:t>
               </a:r>
-              <a:endParaRPr lang="de-DE" sz="800" dirty="0"/>
             </a:p>
           </p:txBody>
         </p:sp>
@@ -7354,10 +7070,9 @@
             <a:lstStyle/>
             <a:p>
               <a:r>
-                <a:rPr lang="de-DE" sz="800" dirty="0" smtClean="0"/>
+                <a:rPr lang="de-DE" sz="800" dirty="0"/>
                 <a:t>Gibt an, ob das Passwort aktuell sichtbar ist</a:t>
               </a:r>
-              <a:endParaRPr lang="de-DE" sz="800" dirty="0"/>
             </a:p>
           </p:txBody>
         </p:sp>
@@ -7390,13 +7105,13 @@
           <a:lstStyle/>
           <a:p>
             <a:r>
-              <a:rPr lang="de-DE" sz="800" dirty="0" smtClean="0"/>
+              <a:rPr lang="de-DE" sz="800" dirty="0"/>
               <a:t>Icons &amp; Größen setzen.</a:t>
             </a:r>
           </a:p>
           <a:p>
             <a:r>
-              <a:rPr lang="de-DE" sz="800" dirty="0" smtClean="0"/>
+              <a:rPr lang="de-DE" sz="800" dirty="0"/>
               <a:t>Es wird eine Icon-Library verwendet:</a:t>
             </a:r>
           </a:p>
@@ -7405,15 +7120,9 @@
               <a:rPr lang="de-DE" sz="800" dirty="0">
                 <a:hlinkClick r:id="rId4"/>
               </a:rPr>
-              <a:t>https://</a:t>
-            </a:r>
-            <a:r>
-              <a:rPr lang="de-DE" sz="800" dirty="0" smtClean="0">
-                <a:hlinkClick r:id="rId4"/>
-              </a:rPr>
-              <a:t>github.com/Vaberer/Font-Awesome-Swift</a:t>
-            </a:r>
-            <a:endParaRPr lang="de-DE" sz="800" dirty="0" smtClean="0"/>
+              <a:t>https://github.com/Vaberer/Font-Awesome-Swift</a:t>
+            </a:r>
+            <a:endParaRPr lang="de-DE" sz="800" dirty="0"/>
           </a:p>
         </p:txBody>
       </p:sp>
@@ -7497,10 +7206,9 @@
             <a:lstStyle/>
             <a:p>
               <a:r>
-                <a:rPr lang="de-DE" sz="800" dirty="0" smtClean="0"/>
+                <a:rPr lang="de-DE" sz="800" dirty="0"/>
                 <a:t>Formatierung der Daten</a:t>
               </a:r>
-              <a:endParaRPr lang="de-DE" sz="800" dirty="0"/>
             </a:p>
           </p:txBody>
         </p:sp>
@@ -7515,13 +7223,6 @@
   <p:clrMapOvr>
     <a:masterClrMapping/>
   </p:clrMapOvr>
-  <p:timing>
-    <p:tnLst>
-      <p:par>
-        <p:cTn id="1" dur="indefinite" restart="never" nodeType="tmRoot"/>
-      </p:par>
-    </p:tnLst>
-  </p:timing>
 </p:sld>
 </file>
 
@@ -7643,12 +7344,12 @@
           <a:lstStyle/>
           <a:p>
             <a:r>
-              <a:rPr lang="de-DE" sz="3200" dirty="0" err="1" smtClean="0">
+              <a:rPr lang="de-DE" sz="3200" dirty="0" err="1">
                 <a:latin typeface="Rockwell" panose="02060603020205020403" pitchFamily="18" charset="0"/>
               </a:rPr>
               <a:t>CoreData</a:t>
             </a:r>
-            <a:endParaRPr lang="de-DE" sz="3200" dirty="0" smtClean="0">
+            <a:endParaRPr lang="de-DE" sz="3200" dirty="0">
               <a:latin typeface="Rockwell" panose="02060603020205020403" pitchFamily="18" charset="0"/>
             </a:endParaRPr>
           </a:p>
@@ -7753,7 +7454,7 @@
         <p:spPr>
           <a:xfrm>
             <a:off x="8472191" y="1271214"/>
-            <a:ext cx="3384376" cy="1600438"/>
+            <a:ext cx="3384376" cy="1046440"/>
           </a:xfrm>
           <a:prstGeom prst="rect">
             <a:avLst/>
@@ -7767,13 +7468,13 @@
           <a:lstStyle/>
           <a:p>
             <a:r>
-              <a:rPr lang="de-DE" sz="1400" b="1" u="sng" dirty="0" err="1" smtClean="0">
+              <a:rPr lang="de-DE" sz="1400" b="1" u="sng" dirty="0" err="1">
                 <a:latin typeface="Rockwell" panose="02060603020205020403" pitchFamily="18" charset="0"/>
               </a:rPr>
               <a:t>CoreData</a:t>
             </a:r>
             <a:r>
-              <a:rPr lang="de-DE" sz="1400" b="1" u="sng" dirty="0" smtClean="0">
+              <a:rPr lang="de-DE" sz="1400" b="1" u="sng" dirty="0">
                 <a:latin typeface="Rockwell" panose="02060603020205020403" pitchFamily="18" charset="0"/>
               </a:rPr>
               <a:t> Manager</a:t>
@@ -7781,82 +7482,60 @@
           </a:p>
           <a:p>
             <a:r>
-              <a:rPr lang="de-DE" sz="1200" dirty="0" smtClean="0">
-                <a:latin typeface="Rockwell" panose="02060603020205020403" pitchFamily="18" charset="0"/>
-              </a:rPr>
-              <a:t>Mit der </a:t>
-            </a:r>
-            <a:r>
-              <a:rPr lang="de-DE" sz="1200" dirty="0" err="1" smtClean="0">
-                <a:latin typeface="Rockwell" panose="02060603020205020403" pitchFamily="18" charset="0"/>
-              </a:rPr>
-              <a:t>cursorToCategoryModel</a:t>
-            </a:r>
-            <a:r>
-              <a:rPr lang="de-DE" sz="1200" dirty="0" smtClean="0">
-                <a:latin typeface="Rockwell" panose="02060603020205020403" pitchFamily="18" charset="0"/>
-              </a:rPr>
-              <a:t>()-Funktion wird ein Cursor in ein </a:t>
-            </a:r>
-            <a:r>
-              <a:rPr lang="de-DE" sz="1200" dirty="0" err="1" smtClean="0">
-                <a:latin typeface="Rockwell" panose="02060603020205020403" pitchFamily="18" charset="0"/>
-              </a:rPr>
-              <a:t>CategoryModel</a:t>
-            </a:r>
-            <a:r>
-              <a:rPr lang="de-DE" sz="1200" dirty="0" smtClean="0">
-                <a:latin typeface="Rockwell" panose="02060603020205020403" pitchFamily="18" charset="0"/>
-              </a:rPr>
-              <a:t> umgewandelt. Die benötigen Daten des Cursors werden mit der Funktion </a:t>
-            </a:r>
-            <a:r>
-              <a:rPr lang="de-DE" sz="1200" dirty="0" err="1" smtClean="0">
-                <a:latin typeface="Rockwell" panose="02060603020205020403" pitchFamily="18" charset="0"/>
-              </a:rPr>
-              <a:t>getString</a:t>
-            </a:r>
-            <a:r>
-              <a:rPr lang="de-DE" sz="1200" dirty="0" smtClean="0">
-                <a:latin typeface="Rockwell" panose="02060603020205020403" pitchFamily="18" charset="0"/>
-              </a:rPr>
-              <a:t>() bzw. </a:t>
-            </a:r>
-            <a:r>
-              <a:rPr lang="de-DE" sz="1200" dirty="0" err="1" smtClean="0">
-                <a:latin typeface="Rockwell" panose="02060603020205020403" pitchFamily="18" charset="0"/>
-              </a:rPr>
-              <a:t>getInt</a:t>
-            </a:r>
-            <a:r>
-              <a:rPr lang="de-DE" sz="1200" dirty="0" smtClean="0">
-                <a:latin typeface="Rockwell" panose="02060603020205020403" pitchFamily="18" charset="0"/>
-              </a:rPr>
-              <a:t>() geladen. Das </a:t>
-            </a:r>
-            <a:r>
-              <a:rPr lang="de-DE" sz="1200" dirty="0" err="1" smtClean="0">
-                <a:latin typeface="Rockwell" panose="02060603020205020403" pitchFamily="18" charset="0"/>
-              </a:rPr>
-              <a:t>CategoryModel</a:t>
-            </a:r>
-            <a:r>
-              <a:rPr lang="de-DE" sz="1200" dirty="0" smtClean="0">
-                <a:latin typeface="Rockwell" panose="02060603020205020403" pitchFamily="18" charset="0"/>
-              </a:rPr>
-              <a:t> verfügt über einen </a:t>
-            </a:r>
-            <a:r>
-              <a:rPr lang="de-DE" sz="1200" dirty="0" err="1" smtClean="0">
-                <a:latin typeface="Rockwell" panose="02060603020205020403" pitchFamily="18" charset="0"/>
-              </a:rPr>
-              <a:t>Constructor</a:t>
-            </a:r>
-            <a:r>
-              <a:rPr lang="de-DE" sz="1200" dirty="0" smtClean="0">
-                <a:latin typeface="Rockwell" panose="02060603020205020403" pitchFamily="18" charset="0"/>
-              </a:rPr>
-              <a:t>, der genau diese Werte als Parameter benötigt.</a:t>
+              <a:rPr lang="de-DE" sz="1200" dirty="0">
+                <a:latin typeface="Rockwell" panose="02060603020205020403" pitchFamily="18" charset="0"/>
+              </a:rPr>
+              <a:t>Überblick über alle </a:t>
+            </a:r>
+            <a:r>
+              <a:rPr lang="de-DE" sz="1200" dirty="0" err="1">
+                <a:latin typeface="Rockwell" panose="02060603020205020403" pitchFamily="18" charset="0"/>
+              </a:rPr>
+              <a:t>ManagedDataObjects</a:t>
+            </a:r>
+            <a:r>
+              <a:rPr lang="de-DE" sz="1200" dirty="0">
+                <a:latin typeface="Rockwell" panose="02060603020205020403" pitchFamily="18" charset="0"/>
+              </a:rPr>
+              <a:t>.</a:t>
+            </a:r>
+          </a:p>
+          <a:p>
+            <a:r>
+              <a:rPr lang="de-DE" sz="1200" dirty="0">
+                <a:latin typeface="Rockwell" panose="02060603020205020403" pitchFamily="18" charset="0"/>
+              </a:rPr>
+              <a:t>Weiterhin wurde </a:t>
+            </a:r>
+            <a:r>
+              <a:rPr lang="de-DE" sz="1200" dirty="0" err="1">
+                <a:latin typeface="Rockwell" panose="02060603020205020403" pitchFamily="18" charset="0"/>
+              </a:rPr>
+              <a:t>CoreData</a:t>
+            </a:r>
+            <a:r>
+              <a:rPr lang="de-DE" sz="1200" dirty="0">
+                <a:latin typeface="Rockwell" panose="02060603020205020403" pitchFamily="18" charset="0"/>
+              </a:rPr>
+              <a:t> abstrahiert um einen </a:t>
+            </a:r>
+            <a:r>
+              <a:rPr lang="de-DE" sz="1200">
+                <a:latin typeface="Rockwell" panose="02060603020205020403" pitchFamily="18" charset="0"/>
+              </a:rPr>
+              <a:t>einfacheren Zugriff </a:t>
+            </a:r>
+            <a:r>
+              <a:rPr lang="de-DE" sz="1200" dirty="0">
+                <a:latin typeface="Rockwell" panose="02060603020205020403" pitchFamily="18" charset="0"/>
+              </a:rPr>
+              <a:t>von der </a:t>
+            </a:r>
+            <a:r>
+              <a:rPr lang="de-DE" sz="1200">
+                <a:latin typeface="Rockwell" panose="02060603020205020403" pitchFamily="18" charset="0"/>
+              </a:rPr>
+              <a:t>View ermöglichen.</a:t>
             </a:r>
             <a:endParaRPr lang="de-DE" sz="1200" dirty="0">
               <a:latin typeface="Rockwell" panose="02060603020205020403" pitchFamily="18" charset="0"/>
@@ -7874,13 +7553,6 @@
   <p:clrMapOvr>
     <a:masterClrMapping/>
   </p:clrMapOvr>
-  <p:timing>
-    <p:tnLst>
-      <p:par>
-        <p:cTn id="1" dur="indefinite" restart="never" nodeType="tmRoot"/>
-      </p:par>
-    </p:tnLst>
-  </p:timing>
 </p:sld>
 </file>
 
@@ -8002,7 +7674,7 @@
           <a:lstStyle/>
           <a:p>
             <a:r>
-              <a:rPr lang="de-DE" sz="3200" dirty="0" smtClean="0">
+              <a:rPr lang="de-DE" sz="3200" dirty="0">
                 <a:latin typeface="Rockwell" panose="02060603020205020403" pitchFamily="18" charset="0"/>
               </a:rPr>
               <a:t>Password Generator</a:t>
@@ -8063,13 +7735,13 @@
           <a:lstStyle/>
           <a:p>
             <a:r>
-              <a:rPr lang="de-DE" sz="1400" b="1" u="sng" dirty="0" err="1" smtClean="0">
+              <a:rPr lang="de-DE" sz="1400" b="1" u="sng" dirty="0" err="1">
                 <a:latin typeface="Rockwell" panose="02060603020205020403" pitchFamily="18" charset="0"/>
               </a:rPr>
               <a:t>RandomPassword</a:t>
             </a:r>
             <a:r>
-              <a:rPr lang="de-DE" sz="1400" b="1" u="sng" dirty="0" smtClean="0">
+              <a:rPr lang="de-DE" sz="1400" b="1" u="sng" dirty="0">
                 <a:latin typeface="Rockwell" panose="02060603020205020403" pitchFamily="18" charset="0"/>
               </a:rPr>
               <a:t> Generator</a:t>
@@ -8077,50 +7749,47 @@
           </a:p>
           <a:p>
             <a:r>
-              <a:rPr lang="de-DE" sz="1200" dirty="0" smtClean="0">
+              <a:rPr lang="de-DE" sz="1200" dirty="0">
                 <a:latin typeface="Rockwell" panose="02060603020205020403" pitchFamily="18" charset="0"/>
               </a:rPr>
               <a:t>Mit der </a:t>
             </a:r>
             <a:r>
-              <a:rPr lang="de-DE" sz="1200" dirty="0" err="1" smtClean="0">
+              <a:rPr lang="de-DE" sz="1200" dirty="0" err="1">
                 <a:latin typeface="Rockwell" panose="02060603020205020403" pitchFamily="18" charset="0"/>
               </a:rPr>
               <a:t>RandomPassword</a:t>
             </a:r>
             <a:r>
-              <a:rPr lang="de-DE" sz="1200" dirty="0" smtClean="0">
+              <a:rPr lang="de-DE" sz="1200" dirty="0">
                 <a:latin typeface="Rockwell" panose="02060603020205020403" pitchFamily="18" charset="0"/>
               </a:rPr>
               <a:t>-Klasse wird das Erstellen eines zufälligen Passworts ermöglicht. Es steht die Auswahl von 4 verschiedenen Optionen zur Verfügung (Kleinbuchstaben, Großbuchstaben, Zahlen &amp; Sonderzeichen). Diese werden über 4 Funktionen gesetzt. Mit der </a:t>
             </a:r>
             <a:r>
-              <a:rPr lang="de-DE" sz="1200" dirty="0" err="1" smtClean="0">
+              <a:rPr lang="de-DE" sz="1200" dirty="0" err="1">
                 <a:latin typeface="Rockwell" panose="02060603020205020403" pitchFamily="18" charset="0"/>
               </a:rPr>
               <a:t>getPassword</a:t>
             </a:r>
             <a:r>
-              <a:rPr lang="de-DE" sz="1200" dirty="0" smtClean="0">
+              <a:rPr lang="de-DE" sz="1200" dirty="0">
                 <a:latin typeface="Rockwell" panose="02060603020205020403" pitchFamily="18" charset="0"/>
               </a:rPr>
               <a:t>()-</a:t>
             </a:r>
             <a:r>
-              <a:rPr lang="de-DE" sz="1200" dirty="0" err="1" smtClean="0">
+              <a:rPr lang="de-DE" sz="1200" dirty="0" err="1">
                 <a:latin typeface="Rockwell" panose="02060603020205020403" pitchFamily="18" charset="0"/>
               </a:rPr>
               <a:t>Funtion</a:t>
             </a:r>
             <a:r>
-              <a:rPr lang="de-DE" sz="1200" dirty="0" smtClean="0">
+              <a:rPr lang="de-DE" sz="1200" dirty="0">
                 <a:latin typeface="Rockwell" panose="02060603020205020403" pitchFamily="18" charset="0"/>
               </a:rPr>
               <a:t> erhält man ein Passwort, welches den zuvor gesetzten Einstellungen entspricht.</a:t>
             </a:r>
-            <a:endParaRPr lang="de-DE" sz="1200" dirty="0">
-              <a:latin typeface="Rockwell" panose="02060603020205020403" pitchFamily="18" charset="0"/>
-            </a:endParaRPr>
           </a:p>
         </p:txBody>
       </p:sp>
@@ -8204,22 +7873,21 @@
             <a:lstStyle/>
             <a:p>
               <a:r>
-                <a:rPr lang="de-DE" sz="800" dirty="0" smtClean="0"/>
+                <a:rPr lang="de-DE" sz="800" dirty="0"/>
                 <a:t>Zufällige Zahl erzeugen und anhand der </a:t>
               </a:r>
             </a:p>
             <a:p>
               <a:r>
-                <a:rPr lang="de-DE" sz="800" dirty="0" smtClean="0"/>
+                <a:rPr lang="de-DE" sz="800" dirty="0"/>
                 <a:t>erzeugten Zahl ein bestimmtes Zeichen</a:t>
               </a:r>
             </a:p>
             <a:p>
               <a:r>
-                <a:rPr lang="de-DE" sz="800" dirty="0" smtClean="0"/>
+                <a:rPr lang="de-DE" sz="800" dirty="0"/>
                 <a:t>dem Passwort anhängen</a:t>
               </a:r>
-              <a:endParaRPr lang="de-DE" sz="800" dirty="0"/>
             </a:p>
           </p:txBody>
         </p:sp>
@@ -8234,13 +7902,6 @@
   <p:clrMapOvr>
     <a:masterClrMapping/>
   </p:clrMapOvr>
-  <p:timing>
-    <p:tnLst>
-      <p:par>
-        <p:cTn id="1" dur="indefinite" restart="never" nodeType="tmRoot"/>
-      </p:par>
-    </p:tnLst>
-  </p:timing>
 </p:sld>
 </file>
 
@@ -8362,7 +8023,7 @@
           <a:lstStyle/>
           <a:p>
             <a:r>
-              <a:rPr lang="de-DE" sz="3200" dirty="0" smtClean="0">
+              <a:rPr lang="de-DE" sz="3200" dirty="0">
                 <a:latin typeface="Rockwell" panose="02060603020205020403" pitchFamily="18" charset="0"/>
               </a:rPr>
               <a:t>Password Generator</a:t>
@@ -8394,7 +8055,7 @@
           <a:p>
             <a:pPr algn="ctr"/>
             <a:r>
-              <a:rPr lang="de-DE" sz="2400" dirty="0" smtClean="0">
+              <a:rPr lang="de-DE" sz="2400" dirty="0">
                 <a:latin typeface="Rockwell" panose="02060603020205020403" pitchFamily="18" charset="0"/>
               </a:rPr>
               <a:t>Vielen Dank für Ihre Aufmerksamkeit!</a:t>
@@ -8402,30 +8063,27 @@
           </a:p>
           <a:p>
             <a:pPr algn="ctr"/>
-            <a:endParaRPr lang="de-DE" sz="2400" dirty="0" smtClean="0">
-              <a:latin typeface="Rockwell" panose="02060603020205020403" pitchFamily="18" charset="0"/>
-            </a:endParaRPr>
-          </a:p>
-          <a:p>
-            <a:pPr algn="ctr"/>
-            <a:r>
-              <a:rPr lang="de-DE" sz="2400" dirty="0" smtClean="0">
-                <a:latin typeface="Rockwell" panose="02060603020205020403" pitchFamily="18" charset="0"/>
-              </a:rPr>
-              <a:t>Sollten sie noch Fragen haben, </a:t>
-            </a:r>
-          </a:p>
-          <a:p>
-            <a:pPr algn="ctr"/>
-            <a:r>
-              <a:rPr lang="de-DE" sz="2400" dirty="0" smtClean="0">
-                <a:latin typeface="Rockwell" panose="02060603020205020403" pitchFamily="18" charset="0"/>
-              </a:rPr>
-              <a:t>zur App oder zum Code können Sie sie nun gerne stellen.</a:t>
-            </a:r>
             <a:endParaRPr lang="de-DE" sz="2400" dirty="0">
               <a:latin typeface="Rockwell" panose="02060603020205020403" pitchFamily="18" charset="0"/>
             </a:endParaRPr>
+          </a:p>
+          <a:p>
+            <a:pPr algn="ctr"/>
+            <a:r>
+              <a:rPr lang="de-DE" sz="2400" dirty="0">
+                <a:latin typeface="Rockwell" panose="02060603020205020403" pitchFamily="18" charset="0"/>
+              </a:rPr>
+              <a:t>Sollten sie noch Fragen haben, </a:t>
+            </a:r>
+          </a:p>
+          <a:p>
+            <a:pPr algn="ctr"/>
+            <a:r>
+              <a:rPr lang="de-DE" sz="2400" dirty="0">
+                <a:latin typeface="Rockwell" panose="02060603020205020403" pitchFamily="18" charset="0"/>
+              </a:rPr>
+              <a:t>zur App oder zum Code können Sie sie nun gerne stellen.</a:t>
+            </a:r>
           </a:p>
         </p:txBody>
       </p:sp>
@@ -8439,13 +8097,6 @@
   <p:clrMapOvr>
     <a:masterClrMapping/>
   </p:clrMapOvr>
-  <p:timing>
-    <p:tnLst>
-      <p:par>
-        <p:cTn id="1" dur="indefinite" restart="never" nodeType="tmRoot"/>
-      </p:par>
-    </p:tnLst>
-  </p:timing>
 </p:sld>
 </file>
 
@@ -8571,7 +8222,7 @@
               <a:buChar char="•"/>
             </a:pPr>
             <a:r>
-              <a:rPr lang="de-DE" sz="2000" dirty="0" smtClean="0"/>
+              <a:rPr lang="de-DE" sz="2000" dirty="0"/>
               <a:t>Ein Passwort für alles</a:t>
             </a:r>
           </a:p>
@@ -8581,7 +8232,7 @@
               <a:buChar char="•"/>
             </a:pPr>
             <a:r>
-              <a:rPr lang="de-DE" sz="2000" dirty="0" smtClean="0"/>
+              <a:rPr lang="de-DE" sz="2000" dirty="0"/>
               <a:t>Problem: unsicher</a:t>
             </a:r>
           </a:p>
@@ -8590,7 +8241,7 @@
               <a:buFont typeface="Arial" panose="020B0604020202020204" pitchFamily="34" charset="0"/>
               <a:buChar char="•"/>
             </a:pPr>
-            <a:endParaRPr lang="de-DE" sz="2000" dirty="0" smtClean="0"/>
+            <a:endParaRPr lang="de-DE" sz="2000" dirty="0"/>
           </a:p>
           <a:p>
             <a:pPr marL="285750" indent="-285750">
@@ -8598,7 +8249,7 @@
               <a:buChar char="•"/>
             </a:pPr>
             <a:r>
-              <a:rPr lang="de-DE" sz="2000" dirty="0" smtClean="0"/>
+              <a:rPr lang="de-DE" sz="2000" dirty="0"/>
               <a:t>App mit verschlüsseltem Zugang die alle Passwörter speichert!</a:t>
             </a:r>
           </a:p>
@@ -8608,7 +8259,7 @@
               <a:buChar char="•"/>
             </a:pPr>
             <a:r>
-              <a:rPr lang="de-DE" sz="2000" dirty="0" smtClean="0"/>
+              <a:rPr lang="de-DE" sz="2000" dirty="0"/>
               <a:t>Zugang  über ein Master-Passwort oder über Fingerabdruck</a:t>
             </a:r>
           </a:p>
@@ -8625,7 +8276,7 @@
               <a:buChar char="•"/>
             </a:pPr>
             <a:r>
-              <a:rPr lang="de-DE" sz="2000" dirty="0" smtClean="0"/>
+              <a:rPr lang="de-DE" sz="2000" dirty="0"/>
               <a:t>Auflistung der Passwörter unterteilt nach Kategorien</a:t>
             </a:r>
           </a:p>
@@ -8635,7 +8286,7 @@
               <a:buChar char="•"/>
             </a:pPr>
             <a:r>
-              <a:rPr lang="de-DE" sz="2000" dirty="0" smtClean="0"/>
+              <a:rPr lang="de-DE" sz="2000" dirty="0"/>
               <a:t>z.B. E-Mail, Shops, …</a:t>
             </a:r>
           </a:p>
@@ -8652,7 +8303,7 @@
               <a:buChar char="•"/>
             </a:pPr>
             <a:r>
-              <a:rPr lang="de-DE" sz="2000" dirty="0" smtClean="0"/>
+              <a:rPr lang="de-DE" sz="2000" dirty="0"/>
               <a:t>speichern zusätzlicher Informationen mit dem Passwort</a:t>
             </a:r>
           </a:p>
@@ -8662,7 +8313,7 @@
               <a:buChar char="•"/>
             </a:pPr>
             <a:r>
-              <a:rPr lang="de-DE" sz="2000" dirty="0" smtClean="0"/>
+              <a:rPr lang="de-DE" sz="2000" dirty="0"/>
               <a:t>Username, Beschreibung, …</a:t>
             </a:r>
           </a:p>
@@ -8679,7 +8330,7 @@
               <a:buChar char="•"/>
             </a:pPr>
             <a:r>
-              <a:rPr lang="de-DE" sz="2000" dirty="0" smtClean="0"/>
+              <a:rPr lang="de-DE" sz="2000" dirty="0"/>
               <a:t>einfügen eines Passwortgenerators</a:t>
             </a:r>
           </a:p>
@@ -8695,13 +8346,6 @@
   <p:clrMapOvr>
     <a:masterClrMapping/>
   </p:clrMapOvr>
-  <p:timing>
-    <p:tnLst>
-      <p:par>
-        <p:cTn id="1" dur="indefinite" restart="never" nodeType="tmRoot"/>
-      </p:par>
-    </p:tnLst>
-  </p:timing>
 </p:sld>
 </file>
 
@@ -8829,23 +8473,8 @@
                 </a:solidFill>
                 <a:latin typeface="Rockwell" panose="02060603020205020403" pitchFamily="18" charset="0"/>
               </a:rPr>
-              <a:t>„Ein Passwort für maximale Sicherheit, überall</a:t>
-            </a:r>
-            <a:r>
-              <a:rPr lang="de-DE" sz="3600" dirty="0" smtClean="0">
-                <a:solidFill>
-                  <a:srgbClr val="7030A0"/>
-                </a:solidFill>
-                <a:latin typeface="Rockwell" panose="02060603020205020403" pitchFamily="18" charset="0"/>
-              </a:rPr>
-              <a:t>!“</a:t>
-            </a:r>
-            <a:endParaRPr lang="de-DE" sz="3600" dirty="0">
-              <a:solidFill>
-                <a:srgbClr val="7030A0"/>
-              </a:solidFill>
-              <a:latin typeface="Rockwell" panose="02060603020205020403" pitchFamily="18" charset="0"/>
-            </a:endParaRPr>
+              <a:t>„Ein Passwort für maximale Sicherheit, überall!“</a:t>
+            </a:r>
           </a:p>
         </p:txBody>
       </p:sp>
@@ -8872,7 +8501,7 @@
           <a:lstStyle/>
           <a:p>
             <a:r>
-              <a:rPr lang="de-DE" sz="3200" dirty="0" smtClean="0">
+              <a:rPr lang="de-DE" sz="3200" dirty="0">
                 <a:latin typeface="Rockwell" panose="02060603020205020403" pitchFamily="18" charset="0"/>
               </a:rPr>
               <a:t>Wert der App</a:t>
@@ -8890,13 +8519,6 @@
   <p:clrMapOvr>
     <a:masterClrMapping/>
   </p:clrMapOvr>
-  <p:timing>
-    <p:tnLst>
-      <p:par>
-        <p:cTn id="1" dur="indefinite" restart="never" nodeType="tmRoot"/>
-      </p:par>
-    </p:tnLst>
-  </p:timing>
 </p:sld>
 </file>
 
@@ -9018,7 +8640,7 @@
           <a:lstStyle/>
           <a:p>
             <a:r>
-              <a:rPr lang="de-DE" sz="3200" dirty="0" smtClean="0">
+              <a:rPr lang="de-DE" sz="3200" dirty="0">
                 <a:latin typeface="Rockwell" panose="02060603020205020403" pitchFamily="18" charset="0"/>
               </a:rPr>
               <a:t>Erster Start</a:t>
@@ -9141,13 +8763,6 @@
   <p:clrMapOvr>
     <a:masterClrMapping/>
   </p:clrMapOvr>
-  <p:timing>
-    <p:tnLst>
-      <p:par>
-        <p:cTn id="1" dur="indefinite" restart="never" nodeType="tmRoot"/>
-      </p:par>
-    </p:tnLst>
-  </p:timing>
 </p:sld>
 </file>
 
@@ -9269,7 +8884,7 @@
           <a:lstStyle/>
           <a:p>
             <a:r>
-              <a:rPr lang="de-DE" sz="3200" dirty="0" smtClean="0">
+              <a:rPr lang="de-DE" sz="3200" dirty="0">
                 <a:latin typeface="Rockwell" panose="02060603020205020403" pitchFamily="18" charset="0"/>
               </a:rPr>
               <a:t>Login</a:t>
@@ -9406,10 +9021,9 @@
           <a:lstStyle/>
           <a:p>
             <a:r>
-              <a:rPr lang="de-DE" sz="1400" dirty="0" smtClean="0"/>
+              <a:rPr lang="de-DE" sz="1400" dirty="0"/>
               <a:t>Login über Fingerabdruck</a:t>
             </a:r>
-            <a:endParaRPr lang="de-DE" sz="1400" dirty="0"/>
           </a:p>
         </p:txBody>
       </p:sp>
@@ -9423,13 +9037,6 @@
   <p:clrMapOvr>
     <a:masterClrMapping/>
   </p:clrMapOvr>
-  <p:timing>
-    <p:tnLst>
-      <p:par>
-        <p:cTn id="1" dur="indefinite" restart="never" nodeType="tmRoot"/>
-      </p:par>
-    </p:tnLst>
-  </p:timing>
 </p:sld>
 </file>
 
@@ -9551,7 +9158,7 @@
           <a:lstStyle/>
           <a:p>
             <a:r>
-              <a:rPr lang="de-DE" sz="3200" dirty="0" smtClean="0">
+              <a:rPr lang="de-DE" sz="3200" dirty="0">
                 <a:latin typeface="Rockwell" panose="02060603020205020403" pitchFamily="18" charset="0"/>
               </a:rPr>
               <a:t>Main View</a:t>
@@ -9734,10 +9341,9 @@
           <a:lstStyle/>
           <a:p>
             <a:r>
-              <a:rPr lang="de-DE" sz="1400" dirty="0" smtClean="0"/>
+              <a:rPr lang="de-DE" sz="1400" dirty="0"/>
               <a:t>Kategorie hinzufügen</a:t>
             </a:r>
-            <a:endParaRPr lang="de-DE" sz="1400" dirty="0"/>
           </a:p>
         </p:txBody>
       </p:sp>
@@ -9751,13 +9357,6 @@
   <p:clrMapOvr>
     <a:masterClrMapping/>
   </p:clrMapOvr>
-  <p:timing>
-    <p:tnLst>
-      <p:par>
-        <p:cTn id="1" dur="indefinite" restart="never" nodeType="tmRoot"/>
-      </p:par>
-    </p:tnLst>
-  </p:timing>
 </p:sld>
 </file>
 
@@ -9879,7 +9478,7 @@
           <a:lstStyle/>
           <a:p>
             <a:r>
-              <a:rPr lang="de-DE" sz="3200" dirty="0" smtClean="0">
+              <a:rPr lang="de-DE" sz="3200" dirty="0">
                 <a:latin typeface="Rockwell" panose="02060603020205020403" pitchFamily="18" charset="0"/>
               </a:rPr>
               <a:t>Suche</a:t>
@@ -10037,10 +9636,9 @@
             <a:lstStyle/>
             <a:p>
               <a:r>
-                <a:rPr lang="de-DE" dirty="0" smtClean="0"/>
+                <a:rPr lang="de-DE" dirty="0"/>
                 <a:t>Suche nach Kategorien</a:t>
               </a:r>
-              <a:endParaRPr lang="de-DE" dirty="0"/>
             </a:p>
           </p:txBody>
         </p:sp>
@@ -10160,7 +9758,7 @@
             <a:lstStyle/>
             <a:p>
               <a:r>
-                <a:rPr lang="de-DE" dirty="0" smtClean="0"/>
+                <a:rPr lang="de-DE" dirty="0"/>
                 <a:t>Suche nach Kategorien</a:t>
               </a:r>
             </a:p>
@@ -10168,13 +9766,8 @@
               <a:pPr algn="ctr"/>
               <a:r>
                 <a:rPr lang="de-DE" dirty="0"/>
-                <a:t>u</a:t>
+                <a:t>und Passwörtern</a:t>
               </a:r>
-              <a:r>
-                <a:rPr lang="de-DE" dirty="0" smtClean="0"/>
-                <a:t>nd Passwörtern</a:t>
-              </a:r>
-              <a:endParaRPr lang="de-DE" dirty="0"/>
             </a:p>
           </p:txBody>
         </p:sp>
@@ -10189,13 +9782,6 @@
   <p:clrMapOvr>
     <a:masterClrMapping/>
   </p:clrMapOvr>
-  <p:timing>
-    <p:tnLst>
-      <p:par>
-        <p:cTn id="1" dur="indefinite" restart="never" nodeType="tmRoot"/>
-      </p:par>
-    </p:tnLst>
-  </p:timing>
 </p:sld>
 </file>
 
@@ -10317,7 +9903,7 @@
           <a:lstStyle/>
           <a:p>
             <a:r>
-              <a:rPr lang="de-DE" sz="3200" dirty="0" smtClean="0">
+              <a:rPr lang="de-DE" sz="3200" dirty="0">
                 <a:latin typeface="Rockwell" panose="02060603020205020403" pitchFamily="18" charset="0"/>
               </a:rPr>
               <a:t>Folder View</a:t>
@@ -10599,13 +10185,6 @@
   <p:clrMapOvr>
     <a:masterClrMapping/>
   </p:clrMapOvr>
-  <p:timing>
-    <p:tnLst>
-      <p:par>
-        <p:cTn id="1" dur="indefinite" restart="never" nodeType="tmRoot"/>
-      </p:par>
-    </p:tnLst>
-  </p:timing>
 </p:sld>
 </file>
 
@@ -10727,7 +10306,7 @@
           <a:lstStyle/>
           <a:p>
             <a:r>
-              <a:rPr lang="de-DE" sz="3200" dirty="0" smtClean="0">
+              <a:rPr lang="de-DE" sz="3200" dirty="0">
                 <a:latin typeface="Rockwell" panose="02060603020205020403" pitchFamily="18" charset="0"/>
               </a:rPr>
               <a:t>Password View</a:t>
@@ -10972,13 +10551,6 @@
   <p:clrMapOvr>
     <a:masterClrMapping/>
   </p:clrMapOvr>
-  <p:timing>
-    <p:tnLst>
-      <p:par>
-        <p:cTn id="1" dur="indefinite" restart="never" nodeType="tmRoot"/>
-      </p:par>
-    </p:tnLst>
-  </p:timing>
 </p:sld>
 </file>
 
